--- a/Teach/ppt/HZMed_pw.pptx
+++ b/Teach/ppt/HZMed_pw.pptx
@@ -6,11 +6,17 @@
   </p:sldMasterIdLst>
   <p:sldIdLst>
     <p:sldId id="256" r:id="rId2"/>
-    <p:sldId id="258" r:id="rId3"/>
-    <p:sldId id="257" r:id="rId4"/>
-    <p:sldId id="261" r:id="rId5"/>
-    <p:sldId id="259" r:id="rId6"/>
-    <p:sldId id="260" r:id="rId7"/>
+    <p:sldId id="347" r:id="rId3"/>
+    <p:sldId id="259" r:id="rId4"/>
+    <p:sldId id="257" r:id="rId5"/>
+    <p:sldId id="261" r:id="rId6"/>
+    <p:sldId id="265" r:id="rId7"/>
+    <p:sldId id="262" r:id="rId8"/>
+    <p:sldId id="263" r:id="rId9"/>
+    <p:sldId id="264" r:id="rId10"/>
+    <p:sldId id="266" r:id="rId11"/>
+    <p:sldId id="267" r:id="rId12"/>
+    <p:sldId id="268" r:id="rId13"/>
   </p:sldIdLst>
   <p:sldSz cx="12192000" cy="6858000"/>
   <p:notesSz cx="6858000" cy="9144000"/>
@@ -264,7 +270,7 @@
           <a:p>
             <a:fld id="{468D082B-C644-0B4B-9F0C-EA4810FD6F68}" type="datetimeFigureOut">
               <a:rPr lang="en-US" smtClean="0"/>
-              <a:t>12/12/19</a:t>
+              <a:t>12/17/19</a:t>
             </a:fld>
             <a:endParaRPr lang="en-US"/>
           </a:p>
@@ -462,7 +468,7 @@
           <a:p>
             <a:fld id="{468D082B-C644-0B4B-9F0C-EA4810FD6F68}" type="datetimeFigureOut">
               <a:rPr lang="en-US" smtClean="0"/>
-              <a:t>12/12/19</a:t>
+              <a:t>12/17/19</a:t>
             </a:fld>
             <a:endParaRPr lang="en-US"/>
           </a:p>
@@ -670,7 +676,7 @@
           <a:p>
             <a:fld id="{468D082B-C644-0B4B-9F0C-EA4810FD6F68}" type="datetimeFigureOut">
               <a:rPr lang="en-US" smtClean="0"/>
-              <a:t>12/12/19</a:t>
+              <a:t>12/17/19</a:t>
             </a:fld>
             <a:endParaRPr lang="en-US"/>
           </a:p>
@@ -868,7 +874,7 @@
           <a:p>
             <a:fld id="{468D082B-C644-0B4B-9F0C-EA4810FD6F68}" type="datetimeFigureOut">
               <a:rPr lang="en-US" smtClean="0"/>
-              <a:t>12/12/19</a:t>
+              <a:t>12/17/19</a:t>
             </a:fld>
             <a:endParaRPr lang="en-US"/>
           </a:p>
@@ -1143,7 +1149,7 @@
           <a:p>
             <a:fld id="{468D082B-C644-0B4B-9F0C-EA4810FD6F68}" type="datetimeFigureOut">
               <a:rPr lang="en-US" smtClean="0"/>
-              <a:t>12/12/19</a:t>
+              <a:t>12/17/19</a:t>
             </a:fld>
             <a:endParaRPr lang="en-US"/>
           </a:p>
@@ -1408,7 +1414,7 @@
           <a:p>
             <a:fld id="{468D082B-C644-0B4B-9F0C-EA4810FD6F68}" type="datetimeFigureOut">
               <a:rPr lang="en-US" smtClean="0"/>
-              <a:t>12/12/19</a:t>
+              <a:t>12/17/19</a:t>
             </a:fld>
             <a:endParaRPr lang="en-US"/>
           </a:p>
@@ -1820,7 +1826,7 @@
           <a:p>
             <a:fld id="{468D082B-C644-0B4B-9F0C-EA4810FD6F68}" type="datetimeFigureOut">
               <a:rPr lang="en-US" smtClean="0"/>
-              <a:t>12/12/19</a:t>
+              <a:t>12/17/19</a:t>
             </a:fld>
             <a:endParaRPr lang="en-US"/>
           </a:p>
@@ -1961,7 +1967,7 @@
           <a:p>
             <a:fld id="{468D082B-C644-0B4B-9F0C-EA4810FD6F68}" type="datetimeFigureOut">
               <a:rPr lang="en-US" smtClean="0"/>
-              <a:t>12/12/19</a:t>
+              <a:t>12/17/19</a:t>
             </a:fld>
             <a:endParaRPr lang="en-US"/>
           </a:p>
@@ -2074,7 +2080,7 @@
           <a:p>
             <a:fld id="{468D082B-C644-0B4B-9F0C-EA4810FD6F68}" type="datetimeFigureOut">
               <a:rPr lang="en-US" smtClean="0"/>
-              <a:t>12/12/19</a:t>
+              <a:t>12/17/19</a:t>
             </a:fld>
             <a:endParaRPr lang="en-US"/>
           </a:p>
@@ -2385,7 +2391,7 @@
           <a:p>
             <a:fld id="{468D082B-C644-0B4B-9F0C-EA4810FD6F68}" type="datetimeFigureOut">
               <a:rPr lang="en-US" smtClean="0"/>
-              <a:t>12/12/19</a:t>
+              <a:t>12/17/19</a:t>
             </a:fld>
             <a:endParaRPr lang="en-US"/>
           </a:p>
@@ -2673,7 +2679,7 @@
           <a:p>
             <a:fld id="{468D082B-C644-0B4B-9F0C-EA4810FD6F68}" type="datetimeFigureOut">
               <a:rPr lang="en-US" smtClean="0"/>
-              <a:t>12/12/19</a:t>
+              <a:t>12/17/19</a:t>
             </a:fld>
             <a:endParaRPr lang="en-US"/>
           </a:p>
@@ -2914,7 +2920,7 @@
           <a:p>
             <a:fld id="{468D082B-C644-0B4B-9F0C-EA4810FD6F68}" type="datetimeFigureOut">
               <a:rPr lang="en-US" smtClean="0"/>
-              <a:t>12/12/19</a:t>
+              <a:t>12/17/19</a:t>
             </a:fld>
             <a:endParaRPr lang="en-US"/>
           </a:p>
@@ -3360,13 +3366,13 @@
           <a:lstStyle/>
           <a:p>
             <a:r>
-              <a:rPr lang="zh-CN" altLang="en-US" sz="4800" dirty="0">
+              <a:rPr lang="zh-CN" altLang="en-US" sz="4000" u="sng" dirty="0">
                 <a:latin typeface="Kaiti SC" panose="02010600040101010101" pitchFamily="2" charset="-122"/>
                 <a:ea typeface="Kaiti SC" panose="02010600040101010101" pitchFamily="2" charset="-122"/>
               </a:rPr>
               <a:t>样本量与统计功效计算</a:t>
             </a:r>
-            <a:endParaRPr lang="en-US" sz="4800" dirty="0">
+            <a:endParaRPr lang="en-US" sz="4000" u="sng" dirty="0">
               <a:latin typeface="Kaiti SC" panose="02010600040101010101" pitchFamily="2" charset="-122"/>
               <a:ea typeface="Kaiti SC" panose="02010600040101010101" pitchFamily="2" charset="-122"/>
             </a:endParaRPr>
@@ -3416,6 +3422,421 @@
 </p:sld>
 </file>
 
+<file path=ppt/slides/slide10.xml><?xml version="1.0" encoding="utf-8"?>
+<p:sld xmlns:a="http://schemas.openxmlformats.org/drawingml/2006/main" xmlns:r="http://schemas.openxmlformats.org/officeDocument/2006/relationships" xmlns:p="http://schemas.openxmlformats.org/presentationml/2006/main">
+  <p:cSld>
+    <p:spTree>
+      <p:nvGrpSpPr>
+        <p:cNvPr id="1" name=""/>
+        <p:cNvGrpSpPr/>
+        <p:nvPr/>
+      </p:nvGrpSpPr>
+      <p:grpSpPr>
+        <a:xfrm>
+          <a:off x="0" y="0"/>
+          <a:ext cx="0" cy="0"/>
+          <a:chOff x="0" y="0"/>
+          <a:chExt cx="0" cy="0"/>
+        </a:xfrm>
+      </p:grpSpPr>
+      <p:sp>
+        <p:nvSpPr>
+          <p:cNvPr id="2" name="Title 1">
+            <a:extLst>
+              <a:ext uri="{FF2B5EF4-FFF2-40B4-BE49-F238E27FC236}">
+                <a16:creationId xmlns:a16="http://schemas.microsoft.com/office/drawing/2014/main" id="{3D563A2C-3C07-214B-8948-0A9FA7D06F81}"/>
+              </a:ext>
+            </a:extLst>
+          </p:cNvPr>
+          <p:cNvSpPr>
+            <a:spLocks noGrp="1"/>
+          </p:cNvSpPr>
+          <p:nvPr>
+            <p:ph type="title"/>
+          </p:nvPr>
+        </p:nvSpPr>
+        <p:spPr/>
+        <p:txBody>
+          <a:bodyPr>
+            <a:normAutofit/>
+          </a:bodyPr>
+          <a:lstStyle/>
+          <a:p>
+            <a:pPr algn="ctr"/>
+            <a:r>
+              <a:rPr lang="en-US" sz="3600" dirty="0">
+                <a:latin typeface="Kaiti SC" panose="02010600040101010101" pitchFamily="2" charset="-122"/>
+                <a:ea typeface="Kaiti SC" panose="02010600040101010101" pitchFamily="2" charset="-122"/>
+              </a:rPr>
+              <a:t>4 </a:t>
+            </a:r>
+            <a:r>
+              <a:rPr lang="zh-CN" altLang="en-US" sz="3600" dirty="0">
+                <a:latin typeface="Kaiti SC" panose="02010600040101010101" pitchFamily="2" charset="-122"/>
+                <a:ea typeface="Kaiti SC" panose="02010600040101010101" pitchFamily="2" charset="-122"/>
+              </a:rPr>
+              <a:t>率资料的优势性</a:t>
+            </a:r>
+            <a:endParaRPr lang="en-US" sz="3600" dirty="0">
+              <a:latin typeface="Kaiti SC" panose="02010600040101010101" pitchFamily="2" charset="-122"/>
+              <a:ea typeface="Kaiti SC" panose="02010600040101010101" pitchFamily="2" charset="-122"/>
+            </a:endParaRPr>
+          </a:p>
+        </p:txBody>
+      </p:sp>
+      <p:graphicFrame>
+        <p:nvGraphicFramePr>
+          <p:cNvPr id="4" name="Object 3">
+            <a:extLst>
+              <a:ext uri="{FF2B5EF4-FFF2-40B4-BE49-F238E27FC236}">
+                <a16:creationId xmlns:a16="http://schemas.microsoft.com/office/drawing/2014/main" id="{7066692B-6211-0647-94FE-2CE7BE63A537}"/>
+              </a:ext>
+            </a:extLst>
+          </p:cNvPr>
+          <p:cNvGraphicFramePr>
+            <a:graphicFrameLocks noChangeAspect="1"/>
+          </p:cNvGraphicFramePr>
+          <p:nvPr>
+            <p:extLst>
+              <p:ext uri="{D42A27DB-BD31-4B8C-83A1-F6EECF244321}">
+                <p14:modId xmlns:p14="http://schemas.microsoft.com/office/powerpoint/2010/main" val="951293941"/>
+              </p:ext>
+            </p:extLst>
+          </p:nvPr>
+        </p:nvGraphicFramePr>
+        <p:xfrm>
+          <a:off x="1524000" y="1674813"/>
+          <a:ext cx="9144000" cy="3505200"/>
+        </p:xfrm>
+        <a:graphic>
+          <a:graphicData uri="http://schemas.openxmlformats.org/presentationml/2006/ole">
+            <mc:AlternateContent xmlns:mc="http://schemas.openxmlformats.org/markup-compatibility/2006">
+              <mc:Choice xmlns:v="urn:schemas-microsoft-com:vml" Requires="v">
+                <p:oleObj spid="_x0000_s10268" name="Document" r:id="rId3" imgW="9144000" imgH="3505200" progId="Word.Document.12">
+                  <p:embed/>
+                </p:oleObj>
+              </mc:Choice>
+              <mc:Fallback>
+                <p:oleObj name="Document" r:id="rId3" imgW="9144000" imgH="3505200" progId="Word.Document.12">
+                  <p:embed/>
+                  <p:pic>
+                    <p:nvPicPr>
+                      <p:cNvPr id="0" name=""/>
+                      <p:cNvPicPr/>
+                      <p:nvPr/>
+                    </p:nvPicPr>
+                    <p:blipFill>
+                      <a:blip r:embed="rId4"/>
+                      <a:stretch>
+                        <a:fillRect/>
+                      </a:stretch>
+                    </p:blipFill>
+                    <p:spPr>
+                      <a:xfrm>
+                        <a:off x="1524000" y="1674813"/>
+                        <a:ext cx="9144000" cy="3505200"/>
+                      </a:xfrm>
+                      <a:prstGeom prst="rect">
+                        <a:avLst/>
+                      </a:prstGeom>
+                    </p:spPr>
+                  </p:pic>
+                </p:oleObj>
+              </mc:Fallback>
+            </mc:AlternateContent>
+          </a:graphicData>
+        </a:graphic>
+      </p:graphicFrame>
+    </p:spTree>
+    <p:extLst>
+      <p:ext uri="{BB962C8B-B14F-4D97-AF65-F5344CB8AC3E}">
+        <p14:creationId xmlns:p14="http://schemas.microsoft.com/office/powerpoint/2010/main" val="1045892303"/>
+      </p:ext>
+    </p:extLst>
+  </p:cSld>
+  <p:clrMapOvr>
+    <a:masterClrMapping/>
+  </p:clrMapOvr>
+</p:sld>
+</file>
+
+<file path=ppt/slides/slide11.xml><?xml version="1.0" encoding="utf-8"?>
+<p:sld xmlns:a="http://schemas.openxmlformats.org/drawingml/2006/main" xmlns:r="http://schemas.openxmlformats.org/officeDocument/2006/relationships" xmlns:p="http://schemas.openxmlformats.org/presentationml/2006/main">
+  <p:cSld>
+    <p:spTree>
+      <p:nvGrpSpPr>
+        <p:cNvPr id="1" name=""/>
+        <p:cNvGrpSpPr/>
+        <p:nvPr/>
+      </p:nvGrpSpPr>
+      <p:grpSpPr>
+        <a:xfrm>
+          <a:off x="0" y="0"/>
+          <a:ext cx="0" cy="0"/>
+          <a:chOff x="0" y="0"/>
+          <a:chExt cx="0" cy="0"/>
+        </a:xfrm>
+      </p:grpSpPr>
+      <p:sp>
+        <p:nvSpPr>
+          <p:cNvPr id="2" name="Title 1">
+            <a:extLst>
+              <a:ext uri="{FF2B5EF4-FFF2-40B4-BE49-F238E27FC236}">
+                <a16:creationId xmlns:a16="http://schemas.microsoft.com/office/drawing/2014/main" id="{F50A86AD-0FA6-7247-913A-E089573D7313}"/>
+              </a:ext>
+            </a:extLst>
+          </p:cNvPr>
+          <p:cNvSpPr>
+            <a:spLocks noGrp="1"/>
+          </p:cNvSpPr>
+          <p:nvPr>
+            <p:ph type="title"/>
+          </p:nvPr>
+        </p:nvSpPr>
+        <p:spPr/>
+        <p:txBody>
+          <a:bodyPr>
+            <a:normAutofit/>
+          </a:bodyPr>
+          <a:lstStyle/>
+          <a:p>
+            <a:pPr algn="ctr"/>
+            <a:r>
+              <a:rPr lang="en-US" altLang="zh-CN" sz="3600" dirty="0">
+                <a:latin typeface="Kaiti SC" panose="02010600040101010101" pitchFamily="2" charset="-122"/>
+                <a:ea typeface="Kaiti SC" panose="02010600040101010101" pitchFamily="2" charset="-122"/>
+              </a:rPr>
+              <a:t>5</a:t>
+            </a:r>
+            <a:r>
+              <a:rPr lang="zh-CN" altLang="en-US" sz="3600" dirty="0">
+                <a:latin typeface="Kaiti SC" panose="02010600040101010101" pitchFamily="2" charset="-122"/>
+                <a:ea typeface="Kaiti SC" panose="02010600040101010101" pitchFamily="2" charset="-122"/>
+              </a:rPr>
+              <a:t> 均数资料的等效性</a:t>
+            </a:r>
+            <a:endParaRPr lang="en-US" sz="3600" dirty="0">
+              <a:latin typeface="Kaiti SC" panose="02010600040101010101" pitchFamily="2" charset="-122"/>
+              <a:ea typeface="Kaiti SC" panose="02010600040101010101" pitchFamily="2" charset="-122"/>
+            </a:endParaRPr>
+          </a:p>
+        </p:txBody>
+      </p:sp>
+      <p:graphicFrame>
+        <p:nvGraphicFramePr>
+          <p:cNvPr id="5" name="Object 4">
+            <a:extLst>
+              <a:ext uri="{FF2B5EF4-FFF2-40B4-BE49-F238E27FC236}">
+                <a16:creationId xmlns:a16="http://schemas.microsoft.com/office/drawing/2014/main" id="{05317072-8D45-724A-B7BC-58EAF86BD378}"/>
+              </a:ext>
+            </a:extLst>
+          </p:cNvPr>
+          <p:cNvGraphicFramePr>
+            <a:graphicFrameLocks noChangeAspect="1"/>
+          </p:cNvGraphicFramePr>
+          <p:nvPr>
+            <p:extLst>
+              <p:ext uri="{D42A27DB-BD31-4B8C-83A1-F6EECF244321}">
+                <p14:modId xmlns:p14="http://schemas.microsoft.com/office/powerpoint/2010/main" val="965781594"/>
+              </p:ext>
+            </p:extLst>
+          </p:nvPr>
+        </p:nvGraphicFramePr>
+        <p:xfrm>
+          <a:off x="985838" y="1439845"/>
+          <a:ext cx="10333037" cy="4546600"/>
+        </p:xfrm>
+        <a:graphic>
+          <a:graphicData uri="http://schemas.openxmlformats.org/presentationml/2006/ole">
+            <mc:AlternateContent xmlns:mc="http://schemas.openxmlformats.org/markup-compatibility/2006">
+              <mc:Choice xmlns:v="urn:schemas-microsoft-com:vml" Requires="v">
+                <p:oleObj spid="_x0000_s11283" name="Document" r:id="rId3" imgW="9144000" imgH="4546600" progId="Word.Document.12">
+                  <p:embed/>
+                </p:oleObj>
+              </mc:Choice>
+              <mc:Fallback>
+                <p:oleObj name="Document" r:id="rId3" imgW="9144000" imgH="4546600" progId="Word.Document.12">
+                  <p:embed/>
+                  <p:pic>
+                    <p:nvPicPr>
+                      <p:cNvPr id="0" name=""/>
+                      <p:cNvPicPr/>
+                      <p:nvPr/>
+                    </p:nvPicPr>
+                    <p:blipFill>
+                      <a:blip r:embed="rId4"/>
+                      <a:stretch>
+                        <a:fillRect/>
+                      </a:stretch>
+                    </p:blipFill>
+                    <p:spPr>
+                      <a:xfrm>
+                        <a:off x="985838" y="1439845"/>
+                        <a:ext cx="10333037" cy="4546600"/>
+                      </a:xfrm>
+                      <a:prstGeom prst="rect">
+                        <a:avLst/>
+                      </a:prstGeom>
+                    </p:spPr>
+                  </p:pic>
+                </p:oleObj>
+              </mc:Fallback>
+            </mc:AlternateContent>
+          </a:graphicData>
+        </a:graphic>
+      </p:graphicFrame>
+    </p:spTree>
+    <p:extLst>
+      <p:ext uri="{BB962C8B-B14F-4D97-AF65-F5344CB8AC3E}">
+        <p14:creationId xmlns:p14="http://schemas.microsoft.com/office/powerpoint/2010/main" val="3809548710"/>
+      </p:ext>
+    </p:extLst>
+  </p:cSld>
+  <p:clrMapOvr>
+    <a:masterClrMapping/>
+  </p:clrMapOvr>
+</p:sld>
+</file>
+
+<file path=ppt/slides/slide12.xml><?xml version="1.0" encoding="utf-8"?>
+<p:sld xmlns:a="http://schemas.openxmlformats.org/drawingml/2006/main" xmlns:r="http://schemas.openxmlformats.org/officeDocument/2006/relationships" xmlns:p="http://schemas.openxmlformats.org/presentationml/2006/main">
+  <p:cSld>
+    <p:spTree>
+      <p:nvGrpSpPr>
+        <p:cNvPr id="1" name=""/>
+        <p:cNvGrpSpPr/>
+        <p:nvPr/>
+      </p:nvGrpSpPr>
+      <p:grpSpPr>
+        <a:xfrm>
+          <a:off x="0" y="0"/>
+          <a:ext cx="0" cy="0"/>
+          <a:chOff x="0" y="0"/>
+          <a:chExt cx="0" cy="0"/>
+        </a:xfrm>
+      </p:grpSpPr>
+      <p:sp>
+        <p:nvSpPr>
+          <p:cNvPr id="2" name="Title 1">
+            <a:extLst>
+              <a:ext uri="{FF2B5EF4-FFF2-40B4-BE49-F238E27FC236}">
+                <a16:creationId xmlns:a16="http://schemas.microsoft.com/office/drawing/2014/main" id="{E8764C6D-BAD6-5446-8C52-F41A372FE4B3}"/>
+              </a:ext>
+            </a:extLst>
+          </p:cNvPr>
+          <p:cNvSpPr>
+            <a:spLocks noGrp="1"/>
+          </p:cNvSpPr>
+          <p:nvPr>
+            <p:ph type="title"/>
+          </p:nvPr>
+        </p:nvSpPr>
+        <p:spPr/>
+        <p:txBody>
+          <a:bodyPr>
+            <a:normAutofit/>
+          </a:bodyPr>
+          <a:lstStyle/>
+          <a:p>
+            <a:pPr algn="ctr"/>
+            <a:r>
+              <a:rPr lang="en-US" altLang="zh-CN" sz="3600" dirty="0">
+                <a:latin typeface="Kaiti SC" panose="02010600040101010101" pitchFamily="2" charset="-122"/>
+                <a:ea typeface="Kaiti SC" panose="02010600040101010101" pitchFamily="2" charset="-122"/>
+              </a:rPr>
+              <a:t>6</a:t>
+            </a:r>
+            <a:r>
+              <a:rPr lang="zh-CN" altLang="en-US" sz="3600" dirty="0">
+                <a:latin typeface="Kaiti SC" panose="02010600040101010101" pitchFamily="2" charset="-122"/>
+                <a:ea typeface="Kaiti SC" panose="02010600040101010101" pitchFamily="2" charset="-122"/>
+              </a:rPr>
+              <a:t>率资料的等效性</a:t>
+            </a:r>
+            <a:endParaRPr lang="en-US" sz="3600" dirty="0">
+              <a:latin typeface="Kaiti SC" panose="02010600040101010101" pitchFamily="2" charset="-122"/>
+              <a:ea typeface="Kaiti SC" panose="02010600040101010101" pitchFamily="2" charset="-122"/>
+            </a:endParaRPr>
+          </a:p>
+        </p:txBody>
+      </p:sp>
+      <p:graphicFrame>
+        <p:nvGraphicFramePr>
+          <p:cNvPr id="4" name="Content Placeholder 3">
+            <a:extLst>
+              <a:ext uri="{FF2B5EF4-FFF2-40B4-BE49-F238E27FC236}">
+                <a16:creationId xmlns:a16="http://schemas.microsoft.com/office/drawing/2014/main" id="{9B348D18-D757-A847-9A84-C71C500CCDC4}"/>
+              </a:ext>
+            </a:extLst>
+          </p:cNvPr>
+          <p:cNvGraphicFramePr>
+            <a:graphicFrameLocks noGrp="1" noChangeAspect="1"/>
+          </p:cNvGraphicFramePr>
+          <p:nvPr>
+            <p:ph idx="1"/>
+            <p:extLst>
+              <p:ext uri="{D42A27DB-BD31-4B8C-83A1-F6EECF244321}">
+                <p14:modId xmlns:p14="http://schemas.microsoft.com/office/powerpoint/2010/main" val="1395792984"/>
+              </p:ext>
+            </p:extLst>
+          </p:nvPr>
+        </p:nvGraphicFramePr>
+        <p:xfrm>
+          <a:off x="1524000" y="2540000"/>
+          <a:ext cx="9144000" cy="2921000"/>
+        </p:xfrm>
+        <a:graphic>
+          <a:graphicData uri="http://schemas.openxmlformats.org/presentationml/2006/ole">
+            <mc:AlternateContent xmlns:mc="http://schemas.openxmlformats.org/markup-compatibility/2006">
+              <mc:Choice xmlns:v="urn:schemas-microsoft-com:vml" Requires="v">
+                <p:oleObj spid="_x0000_s12307" name="Document" r:id="rId3" imgW="9144000" imgH="2921000" progId="Word.Document.12">
+                  <p:embed/>
+                </p:oleObj>
+              </mc:Choice>
+              <mc:Fallback>
+                <p:oleObj name="Document" r:id="rId3" imgW="9144000" imgH="2921000" progId="Word.Document.12">
+                  <p:embed/>
+                  <p:pic>
+                    <p:nvPicPr>
+                      <p:cNvPr id="0" name=""/>
+                      <p:cNvPicPr/>
+                      <p:nvPr/>
+                    </p:nvPicPr>
+                    <p:blipFill>
+                      <a:blip r:embed="rId4"/>
+                      <a:stretch>
+                        <a:fillRect/>
+                      </a:stretch>
+                    </p:blipFill>
+                    <p:spPr>
+                      <a:xfrm>
+                        <a:off x="1524000" y="2540000"/>
+                        <a:ext cx="9144000" cy="2921000"/>
+                      </a:xfrm>
+                      <a:prstGeom prst="rect">
+                        <a:avLst/>
+                      </a:prstGeom>
+                    </p:spPr>
+                  </p:pic>
+                </p:oleObj>
+              </mc:Fallback>
+            </mc:AlternateContent>
+          </a:graphicData>
+        </a:graphic>
+      </p:graphicFrame>
+    </p:spTree>
+    <p:extLst>
+      <p:ext uri="{BB962C8B-B14F-4D97-AF65-F5344CB8AC3E}">
+        <p14:creationId xmlns:p14="http://schemas.microsoft.com/office/powerpoint/2010/main" val="3588802115"/>
+      </p:ext>
+    </p:extLst>
+  </p:cSld>
+  <p:clrMapOvr>
+    <a:masterClrMapping/>
+  </p:clrMapOvr>
+</p:sld>
+</file>
+
 <file path=ppt/slides/slide2.xml><?xml version="1.0" encoding="utf-8"?>
 <p:sld xmlns:a="http://schemas.openxmlformats.org/drawingml/2006/main" xmlns:r="http://schemas.openxmlformats.org/officeDocument/2006/relationships" xmlns:p="http://schemas.openxmlformats.org/presentationml/2006/main">
   <p:cSld>
@@ -3438,7 +3859,7 @@
           <p:cNvPr id="2" name="Title 1">
             <a:extLst>
               <a:ext uri="{FF2B5EF4-FFF2-40B4-BE49-F238E27FC236}">
-                <a16:creationId xmlns:a16="http://schemas.microsoft.com/office/drawing/2014/main" id="{CCF3DD29-BD14-8B4F-A40D-581319C2DC18}"/>
+                <a16:creationId xmlns:a16="http://schemas.microsoft.com/office/drawing/2014/main" id="{C3AD5CF8-73FC-1144-9966-EAD5AA902E9A}"/>
               </a:ext>
             </a:extLst>
           </p:cNvPr>
@@ -3451,18 +3872,23 @@
         </p:nvSpPr>
         <p:spPr/>
         <p:txBody>
-          <a:bodyPr/>
+          <a:bodyPr>
+            <a:normAutofit/>
+          </a:bodyPr>
           <a:lstStyle/>
           <a:p>
             <a:pPr algn="ctr"/>
             <a:r>
-              <a:rPr lang="zh-CN" altLang="en-US" dirty="0">
-                <a:latin typeface="Kaiti SC" panose="02010600040101010101" pitchFamily="2" charset="-122"/>
-                <a:ea typeface="Kaiti SC" panose="02010600040101010101" pitchFamily="2" charset="-122"/>
-              </a:rPr>
-              <a:t>统计功效与样本量计算</a:t>
-            </a:r>
-            <a:endParaRPr lang="en-US" dirty="0"/>
+              <a:rPr lang="zh-CN" altLang="en-US" sz="3600" dirty="0">
+                <a:latin typeface="Kaiti SC" panose="02010600040101010101" pitchFamily="2" charset="-122"/>
+                <a:ea typeface="Kaiti SC" panose="02010600040101010101" pitchFamily="2" charset="-122"/>
+              </a:rPr>
+              <a:t>现代药物开发的风控</a:t>
+            </a:r>
+            <a:endParaRPr lang="en-US" sz="3600" dirty="0">
+              <a:latin typeface="Kaiti SC" panose="02010600040101010101" pitchFamily="2" charset="-122"/>
+              <a:ea typeface="Kaiti SC" panose="02010600040101010101" pitchFamily="2" charset="-122"/>
+            </a:endParaRPr>
           </a:p>
         </p:txBody>
       </p:sp>
@@ -3471,7 +3897,7 @@
           <p:cNvPr id="3" name="Content Placeholder 2">
             <a:extLst>
               <a:ext uri="{FF2B5EF4-FFF2-40B4-BE49-F238E27FC236}">
-                <a16:creationId xmlns:a16="http://schemas.microsoft.com/office/drawing/2014/main" id="{971F87D6-3727-1340-8948-BB2DC7B61DB2}"/>
+                <a16:creationId xmlns:a16="http://schemas.microsoft.com/office/drawing/2014/main" id="{FB4E8C69-A271-F649-A32A-F98A277D5F24}"/>
               </a:ext>
             </a:extLst>
           </p:cNvPr>
@@ -3484,68 +3910,342 @@
         </p:nvSpPr>
         <p:spPr>
           <a:xfrm>
-            <a:off x="838200" y="1825625"/>
-            <a:ext cx="10515600" cy="4351338"/>
+            <a:off x="838200" y="1352811"/>
+            <a:ext cx="7654447" cy="4549225"/>
           </a:xfrm>
         </p:spPr>
         <p:txBody>
-          <a:bodyPr/>
+          <a:bodyPr>
+            <a:normAutofit fontScale="85000" lnSpcReduction="20000"/>
+          </a:bodyPr>
           <a:lstStyle/>
           <a:p>
             <a:r>
-              <a:rPr lang="zh-CN" altLang="en-US" dirty="0">
-                <a:latin typeface="Kaiti SC" panose="02010600040101010101" pitchFamily="2" charset="-122"/>
-                <a:ea typeface="Kaiti SC" panose="02010600040101010101" pitchFamily="2" charset="-122"/>
-              </a:rPr>
-              <a:t>基本设定</a:t>
+              <a:rPr lang="en-US" altLang="zh-CN" sz="2000" b="1" u="sng" dirty="0">
+                <a:latin typeface="Kaiti SC" panose="02010600040101010101" pitchFamily="2" charset="-122"/>
+                <a:ea typeface="Kaiti SC" panose="02010600040101010101" pitchFamily="2" charset="-122"/>
+              </a:rPr>
+              <a:t>1</a:t>
+            </a:r>
+            <a:r>
+              <a:rPr lang="zh-CN" altLang="en-US" sz="2000" b="1" u="sng" dirty="0">
+                <a:latin typeface="Kaiti SC" panose="02010600040101010101" pitchFamily="2" charset="-122"/>
+                <a:ea typeface="Kaiti SC" panose="02010600040101010101" pitchFamily="2" charset="-122"/>
+              </a:rPr>
+              <a:t> 发现化合物</a:t>
+            </a:r>
+            <a:r>
+              <a:rPr lang="zh-CN" altLang="en-US" sz="2000" dirty="0">
+                <a:latin typeface="Kaiti SC" panose="02010600040101010101" pitchFamily="2" charset="-122"/>
+                <a:ea typeface="Kaiti SC" panose="02010600040101010101" pitchFamily="2" charset="-122"/>
+              </a:rPr>
+              <a:t> </a:t>
             </a:r>
             <a:br>
-              <a:rPr lang="en-US" altLang="zh-CN" dirty="0">
+              <a:rPr lang="en-AU" altLang="zh-CN" sz="2000" dirty="0">
                 <a:latin typeface="Kaiti SC" panose="02010600040101010101" pitchFamily="2" charset="-122"/>
                 <a:ea typeface="Kaiti SC" panose="02010600040101010101" pitchFamily="2" charset="-122"/>
               </a:rPr>
             </a:br>
             <a:r>
+              <a:rPr lang="en-US" altLang="zh-CN" sz="2000" dirty="0">
+                <a:latin typeface="Kaiti SC" panose="02010600040101010101" pitchFamily="2" charset="-122"/>
+                <a:ea typeface="Kaiti SC" panose="02010600040101010101" pitchFamily="2" charset="-122"/>
+              </a:rPr>
+              <a:t>[</a:t>
+            </a:r>
+            <a:r>
               <a:rPr lang="zh-CN" altLang="en-US" sz="2000" dirty="0">
                 <a:latin typeface="Kaiti SC" panose="02010600040101010101" pitchFamily="2" charset="-122"/>
                 <a:ea typeface="Kaiti SC" panose="02010600040101010101" pitchFamily="2" charset="-122"/>
               </a:rPr>
-              <a:t>数据可能来自</a:t>
+              <a:t>化学物筛选</a:t>
             </a:r>
             <a:r>
               <a:rPr lang="en-US" altLang="zh-CN" sz="2000" dirty="0">
                 <a:latin typeface="Kaiti SC" panose="02010600040101010101" pitchFamily="2" charset="-122"/>
                 <a:ea typeface="Kaiti SC" panose="02010600040101010101" pitchFamily="2" charset="-122"/>
               </a:rPr>
-              <a:t>A</a:t>
+              <a:t>3X10^62</a:t>
             </a:r>
             <a:r>
               <a:rPr lang="zh-CN" altLang="en-US" sz="2000" dirty="0">
                 <a:latin typeface="Kaiti SC" panose="02010600040101010101" pitchFamily="2" charset="-122"/>
                 <a:ea typeface="Kaiti SC" panose="02010600040101010101" pitchFamily="2" charset="-122"/>
               </a:rPr>
-              <a:t>和</a:t>
+              <a:t>，基因芯片；高通量技术，</a:t>
+            </a:r>
+            <a:r>
+              <a:rPr lang="zh-CN" altLang="en-US" sz="2000" dirty="0">
+                <a:solidFill>
+                  <a:srgbClr val="FF0000"/>
+                </a:solidFill>
+                <a:latin typeface="Kaiti SC" panose="02010600040101010101" pitchFamily="2" charset="-122"/>
+                <a:ea typeface="Kaiti SC" panose="02010600040101010101" pitchFamily="2" charset="-122"/>
+              </a:rPr>
+              <a:t>假阳性控制；约</a:t>
+            </a:r>
+            <a:r>
+              <a:rPr lang="en-AU" altLang="zh-CN" sz="2000" dirty="0">
+                <a:solidFill>
+                  <a:srgbClr val="FF0000"/>
+                </a:solidFill>
+                <a:latin typeface="Kaiti SC" panose="02010600040101010101" pitchFamily="2" charset="-122"/>
+                <a:ea typeface="Kaiti SC" panose="02010600040101010101" pitchFamily="2" charset="-122"/>
+              </a:rPr>
+              <a:t>1/10000</a:t>
+            </a:r>
+            <a:r>
+              <a:rPr lang="zh-CN" altLang="en-AU" sz="2000" dirty="0">
+                <a:solidFill>
+                  <a:srgbClr val="FF0000"/>
+                </a:solidFill>
+                <a:latin typeface="Kaiti SC" panose="02010600040101010101" pitchFamily="2" charset="-122"/>
+                <a:ea typeface="Kaiti SC" panose="02010600040101010101" pitchFamily="2" charset="-122"/>
+              </a:rPr>
+              <a:t>有效</a:t>
             </a:r>
             <a:r>
               <a:rPr lang="en-US" altLang="zh-CN" sz="2000" dirty="0">
                 <a:latin typeface="Kaiti SC" panose="02010600040101010101" pitchFamily="2" charset="-122"/>
                 <a:ea typeface="Kaiti SC" panose="02010600040101010101" pitchFamily="2" charset="-122"/>
               </a:rPr>
-              <a:t>B</a:t>
+              <a:t>]</a:t>
+            </a:r>
+          </a:p>
+          <a:p>
+            <a:r>
+              <a:rPr lang="en-US" altLang="zh-CN" sz="2000" b="1" u="sng" dirty="0">
+                <a:latin typeface="Kaiti SC" panose="02010600040101010101" pitchFamily="2" charset="-122"/>
+                <a:ea typeface="Kaiti SC" panose="02010600040101010101" pitchFamily="2" charset="-122"/>
+              </a:rPr>
+              <a:t>2</a:t>
+            </a:r>
+            <a:r>
+              <a:rPr lang="zh-CN" altLang="en-US" sz="2000" b="1" u="sng" dirty="0">
+                <a:latin typeface="Kaiti SC" panose="02010600040101010101" pitchFamily="2" charset="-122"/>
+                <a:ea typeface="Kaiti SC" panose="02010600040101010101" pitchFamily="2" charset="-122"/>
+              </a:rPr>
+              <a:t> 非临床研究</a:t>
             </a:r>
             <a:r>
               <a:rPr lang="zh-CN" altLang="en-US" sz="2000" dirty="0">
                 <a:latin typeface="Kaiti SC" panose="02010600040101010101" pitchFamily="2" charset="-122"/>
                 <a:ea typeface="Kaiti SC" panose="02010600040101010101" pitchFamily="2" charset="-122"/>
               </a:rPr>
-              <a:t>两个独立的分布，但我们未必知道他们的确切来源</a:t>
-            </a:r>
+              <a:t> </a:t>
+            </a:r>
+            <a:br>
+              <a:rPr lang="en-AU" altLang="zh-CN" sz="2000" dirty="0">
+                <a:latin typeface="Kaiti SC" panose="02010600040101010101" pitchFamily="2" charset="-122"/>
+                <a:ea typeface="Kaiti SC" panose="02010600040101010101" pitchFamily="2" charset="-122"/>
+              </a:rPr>
+            </a:br>
+            <a:r>
+              <a:rPr lang="en-US" altLang="zh-CN" sz="2000" dirty="0">
+                <a:latin typeface="Kaiti SC" panose="02010600040101010101" pitchFamily="2" charset="-122"/>
+                <a:ea typeface="Kaiti SC" panose="02010600040101010101" pitchFamily="2" charset="-122"/>
+              </a:rPr>
+              <a:t>[</a:t>
+            </a:r>
+            <a:r>
+              <a:rPr lang="zh-CN" altLang="en-US" sz="2000" dirty="0">
+                <a:latin typeface="Kaiti SC" panose="02010600040101010101" pitchFamily="2" charset="-122"/>
+                <a:ea typeface="Kaiti SC" panose="02010600040101010101" pitchFamily="2" charset="-122"/>
+              </a:rPr>
+              <a:t>动物实验，</a:t>
+            </a:r>
+            <a:r>
+              <a:rPr lang="zh-CN" altLang="en-US" sz="2000" dirty="0">
+                <a:solidFill>
+                  <a:srgbClr val="FF0000"/>
+                </a:solidFill>
+                <a:latin typeface="Kaiti SC" panose="02010600040101010101" pitchFamily="2" charset="-122"/>
+                <a:ea typeface="Kaiti SC" panose="02010600040101010101" pitchFamily="2" charset="-122"/>
+              </a:rPr>
+              <a:t>生物统计分析</a:t>
+            </a:r>
+            <a:r>
+              <a:rPr lang="en-US" altLang="zh-CN" sz="2000" dirty="0">
+                <a:latin typeface="Kaiti SC" panose="02010600040101010101" pitchFamily="2" charset="-122"/>
+                <a:ea typeface="Kaiti SC" panose="02010600040101010101" pitchFamily="2" charset="-122"/>
+              </a:rPr>
+              <a:t>]</a:t>
+            </a:r>
+          </a:p>
+          <a:p>
+            <a:r>
+              <a:rPr lang="en-US" altLang="zh-CN" sz="2000" b="1" u="sng" dirty="0">
+                <a:latin typeface="Kaiti SC" panose="02010600040101010101" pitchFamily="2" charset="-122"/>
+                <a:ea typeface="Kaiti SC" panose="02010600040101010101" pitchFamily="2" charset="-122"/>
+              </a:rPr>
+              <a:t>3</a:t>
+            </a:r>
+            <a:r>
+              <a:rPr lang="zh-CN" altLang="en-US" sz="2000" b="1" u="sng" dirty="0">
+                <a:latin typeface="Kaiti SC" panose="02010600040101010101" pitchFamily="2" charset="-122"/>
+                <a:ea typeface="Kaiti SC" panose="02010600040101010101" pitchFamily="2" charset="-122"/>
+              </a:rPr>
+              <a:t> 申请临床研究</a:t>
+            </a:r>
+            <a:br>
+              <a:rPr lang="en-AU" altLang="zh-CN" sz="2000" dirty="0">
+                <a:latin typeface="Kaiti SC" panose="02010600040101010101" pitchFamily="2" charset="-122"/>
+                <a:ea typeface="Kaiti SC" panose="02010600040101010101" pitchFamily="2" charset="-122"/>
+              </a:rPr>
+            </a:br>
             <a:endParaRPr lang="en-US" altLang="zh-CN" sz="2000" dirty="0">
               <a:latin typeface="Kaiti SC" panose="02010600040101010101" pitchFamily="2" charset="-122"/>
               <a:ea typeface="Kaiti SC" panose="02010600040101010101" pitchFamily="2" charset="-122"/>
             </a:endParaRPr>
           </a:p>
           <a:p>
+            <a:r>
+              <a:rPr lang="en-US" sz="2000" b="1" u="sng" dirty="0">
+                <a:latin typeface="Kaiti SC" panose="02010600040101010101" pitchFamily="2" charset="-122"/>
+                <a:ea typeface="Kaiti SC" panose="02010600040101010101" pitchFamily="2" charset="-122"/>
+              </a:rPr>
+              <a:t>I</a:t>
+            </a:r>
+            <a:r>
+              <a:rPr lang="zh-CN" altLang="en-US" sz="2000" b="1" u="sng" dirty="0">
+                <a:latin typeface="Kaiti SC" panose="02010600040101010101" pitchFamily="2" charset="-122"/>
+                <a:ea typeface="Kaiti SC" panose="02010600040101010101" pitchFamily="2" charset="-122"/>
+              </a:rPr>
+              <a:t> 期</a:t>
+            </a:r>
+            <a:br>
+              <a:rPr lang="en-AU" altLang="zh-CN" sz="2000" dirty="0">
+                <a:latin typeface="Kaiti SC" panose="02010600040101010101" pitchFamily="2" charset="-122"/>
+                <a:ea typeface="Kaiti SC" panose="02010600040101010101" pitchFamily="2" charset="-122"/>
+              </a:rPr>
+            </a:br>
+            <a:r>
+              <a:rPr lang="en-US" altLang="zh-CN" sz="2000" dirty="0">
+                <a:latin typeface="Kaiti SC" panose="02010600040101010101" pitchFamily="2" charset="-122"/>
+                <a:ea typeface="Kaiti SC" panose="02010600040101010101" pitchFamily="2" charset="-122"/>
+              </a:rPr>
+              <a:t>[</a:t>
+            </a:r>
+            <a:r>
+              <a:rPr lang="en-US" altLang="zh-CN" sz="2000" dirty="0">
+                <a:highlight>
+                  <a:srgbClr val="FFFF00"/>
+                </a:highlight>
+                <a:latin typeface="Kaiti SC" panose="02010600040101010101" pitchFamily="2" charset="-122"/>
+                <a:ea typeface="Kaiti SC" panose="02010600040101010101" pitchFamily="2" charset="-122"/>
+              </a:rPr>
+              <a:t>10~100</a:t>
+            </a:r>
+            <a:r>
+              <a:rPr lang="zh-CN" altLang="en-US" sz="2000" dirty="0">
+                <a:latin typeface="Kaiti SC" panose="02010600040101010101" pitchFamily="2" charset="-122"/>
+                <a:ea typeface="Kaiti SC" panose="02010600040101010101" pitchFamily="2" charset="-122"/>
+              </a:rPr>
+              <a:t>例，人体耐受性试验，只选择健康受试者；</a:t>
+            </a:r>
+            <a:r>
+              <a:rPr lang="zh-CN" altLang="en-AU" sz="2000" dirty="0">
+                <a:solidFill>
+                  <a:srgbClr val="FF0000"/>
+                </a:solidFill>
+                <a:latin typeface="Kaiti SC" panose="02010600040101010101" pitchFamily="2" charset="-122"/>
+                <a:ea typeface="Kaiti SC" panose="02010600040101010101" pitchFamily="2" charset="-122"/>
+              </a:rPr>
+              <a:t>淘汰</a:t>
+            </a:r>
+            <a:r>
+              <a:rPr lang="en-AU" altLang="zh-CN" sz="2000" dirty="0">
+                <a:solidFill>
+                  <a:srgbClr val="FF0000"/>
+                </a:solidFill>
+                <a:latin typeface="Kaiti SC" panose="02010600040101010101" pitchFamily="2" charset="-122"/>
+                <a:ea typeface="Kaiti SC" panose="02010600040101010101" pitchFamily="2" charset="-122"/>
+              </a:rPr>
+              <a:t>~</a:t>
+            </a:r>
+            <a:r>
+              <a:rPr lang="en-US" altLang="zh-CN" sz="2000" dirty="0">
+                <a:solidFill>
+                  <a:srgbClr val="FF0000"/>
+                </a:solidFill>
+                <a:latin typeface="Kaiti SC" panose="02010600040101010101" pitchFamily="2" charset="-122"/>
+                <a:ea typeface="Kaiti SC" panose="02010600040101010101" pitchFamily="2" charset="-122"/>
+              </a:rPr>
+              <a:t>30%]</a:t>
+            </a:r>
+          </a:p>
+          <a:p>
+            <a:endParaRPr lang="en-US" sz="2000" b="1" u="sng" dirty="0">
+              <a:latin typeface="Kaiti SC" panose="02010600040101010101" pitchFamily="2" charset="-122"/>
+              <a:ea typeface="Kaiti SC" panose="02010600040101010101" pitchFamily="2" charset="-122"/>
+            </a:endParaRPr>
+          </a:p>
+          <a:p>
+            <a:r>
+              <a:rPr lang="en-US" sz="2000" b="1" u="sng" dirty="0">
+                <a:latin typeface="Kaiti SC" panose="02010600040101010101" pitchFamily="2" charset="-122"/>
+                <a:ea typeface="Kaiti SC" panose="02010600040101010101" pitchFamily="2" charset="-122"/>
+              </a:rPr>
+              <a:t>II</a:t>
+            </a:r>
+            <a:r>
+              <a:rPr lang="zh-CN" altLang="en-US" sz="2000" b="1" u="sng" dirty="0">
+                <a:latin typeface="Kaiti SC" panose="02010600040101010101" pitchFamily="2" charset="-122"/>
+                <a:ea typeface="Kaiti SC" panose="02010600040101010101" pitchFamily="2" charset="-122"/>
+              </a:rPr>
+              <a:t> 期</a:t>
+            </a:r>
+            <a:br>
+              <a:rPr lang="en-AU" altLang="zh-CN" sz="2000" dirty="0">
+                <a:latin typeface="Kaiti SC" panose="02010600040101010101" pitchFamily="2" charset="-122"/>
+                <a:ea typeface="Kaiti SC" panose="02010600040101010101" pitchFamily="2" charset="-122"/>
+              </a:rPr>
+            </a:br>
+            <a:r>
+              <a:rPr lang="en-US" altLang="zh-CN" sz="2000" dirty="0">
+                <a:latin typeface="Kaiti SC" panose="02010600040101010101" pitchFamily="2" charset="-122"/>
+                <a:ea typeface="Kaiti SC" panose="02010600040101010101" pitchFamily="2" charset="-122"/>
+              </a:rPr>
+              <a:t>[</a:t>
+            </a:r>
+            <a:r>
+              <a:rPr lang="en-US" altLang="zh-CN" sz="2000" dirty="0">
+                <a:highlight>
+                  <a:srgbClr val="FFFF00"/>
+                </a:highlight>
+                <a:latin typeface="Kaiti SC" panose="02010600040101010101" pitchFamily="2" charset="-122"/>
+                <a:ea typeface="Kaiti SC" panose="02010600040101010101" pitchFamily="2" charset="-122"/>
+              </a:rPr>
+              <a:t>100~500</a:t>
+            </a:r>
+            <a:r>
+              <a:rPr lang="zh-CN" altLang="en-US" sz="2000" dirty="0">
+                <a:latin typeface="Kaiti SC" panose="02010600040101010101" pitchFamily="2" charset="-122"/>
+                <a:ea typeface="Kaiti SC" panose="02010600040101010101" pitchFamily="2" charset="-122"/>
+              </a:rPr>
+              <a:t>例，治疗作用的初步评价</a:t>
+            </a:r>
+            <a:r>
+              <a:rPr lang="en-US" altLang="zh-CN" sz="2000" dirty="0">
+                <a:latin typeface="Kaiti SC" panose="02010600040101010101" pitchFamily="2" charset="-122"/>
+                <a:ea typeface="Kaiti SC" panose="02010600040101010101" pitchFamily="2" charset="-122"/>
+              </a:rPr>
+              <a:t>]</a:t>
+            </a:r>
+            <a:br>
+              <a:rPr lang="en-US" altLang="zh-CN" sz="2000" dirty="0">
+                <a:latin typeface="Kaiti SC" panose="02010600040101010101" pitchFamily="2" charset="-122"/>
+                <a:ea typeface="Kaiti SC" panose="02010600040101010101" pitchFamily="2" charset="-122"/>
+              </a:rPr>
+            </a:br>
+            <a:r>
+              <a:rPr lang="zh-CN" altLang="en-US" sz="2000" dirty="0">
+                <a:latin typeface="Kaiti SC" panose="02010600040101010101" pitchFamily="2" charset="-122"/>
+                <a:ea typeface="Kaiti SC" panose="02010600040101010101" pitchFamily="2" charset="-122"/>
+              </a:rPr>
+              <a:t>通过前两期临床的研究，开发单位对试验药物的受益风险比进行评估</a:t>
+            </a:r>
             <a:endParaRPr lang="en-US" altLang="zh-CN" sz="2000" dirty="0">
               <a:latin typeface="Kaiti SC" panose="02010600040101010101" pitchFamily="2" charset="-122"/>
               <a:ea typeface="Kaiti SC" panose="02010600040101010101" pitchFamily="2" charset="-122"/>
@@ -3553,52 +4253,134 @@
           </a:p>
           <a:p>
             <a:r>
-              <a:rPr lang="zh-CN" altLang="en-US" dirty="0">
+              <a:rPr lang="en-US" altLang="zh-CN" sz="2000" b="1" u="sng" dirty="0">
+                <a:latin typeface="Kaiti SC" panose="02010600040101010101" pitchFamily="2" charset="-122"/>
+                <a:ea typeface="Kaiti SC" panose="02010600040101010101" pitchFamily="2" charset="-122"/>
+              </a:rPr>
+              <a:t>III</a:t>
+            </a:r>
+            <a:r>
+              <a:rPr lang="zh-CN" altLang="en-US" sz="2000" b="1" u="sng" dirty="0">
+                <a:latin typeface="Kaiti SC" panose="02010600040101010101" pitchFamily="2" charset="-122"/>
+                <a:ea typeface="Kaiti SC" panose="02010600040101010101" pitchFamily="2" charset="-122"/>
+              </a:rPr>
+              <a:t> 期</a:t>
+            </a:r>
+            <a:br>
+              <a:rPr lang="en-AU" altLang="zh-CN" sz="2000" dirty="0">
+                <a:latin typeface="Kaiti SC" panose="02010600040101010101" pitchFamily="2" charset="-122"/>
+                <a:ea typeface="Kaiti SC" panose="02010600040101010101" pitchFamily="2" charset="-122"/>
+              </a:rPr>
+            </a:br>
+            <a:r>
+              <a:rPr lang="en-US" altLang="zh-CN" sz="2000" dirty="0">
+                <a:latin typeface="Kaiti SC" panose="02010600040101010101" pitchFamily="2" charset="-122"/>
+                <a:ea typeface="Kaiti SC" panose="02010600040101010101" pitchFamily="2" charset="-122"/>
+              </a:rPr>
+              <a:t>[</a:t>
+            </a:r>
+            <a:r>
+              <a:rPr lang="en-US" altLang="zh-CN" sz="2000" dirty="0">
                 <a:highlight>
-                  <a:srgbClr val="FF00FF"/>
+                  <a:srgbClr val="00FF00"/>
                 </a:highlight>
                 <a:latin typeface="Kaiti SC" panose="02010600040101010101" pitchFamily="2" charset="-122"/>
                 <a:ea typeface="Kaiti SC" panose="02010600040101010101" pitchFamily="2" charset="-122"/>
               </a:rPr>
-              <a:t>第一个假想的例子</a:t>
+              <a:t>X</a:t>
+            </a:r>
+            <a:r>
+              <a:rPr lang="zh-CN" altLang="en-US" sz="2000" dirty="0">
+                <a:latin typeface="Kaiti SC" panose="02010600040101010101" pitchFamily="2" charset="-122"/>
+                <a:ea typeface="Kaiti SC" panose="02010600040101010101" pitchFamily="2" charset="-122"/>
+              </a:rPr>
+              <a:t>例，</a:t>
+            </a:r>
+            <a:r>
+              <a:rPr lang="zh-CN" altLang="en-US" sz="2000" u="sng" dirty="0">
+                <a:solidFill>
+                  <a:srgbClr val="FF0000"/>
+                </a:solidFill>
+                <a:latin typeface="Kaiti SC" panose="02010600040101010101" pitchFamily="2" charset="-122"/>
+                <a:ea typeface="Kaiti SC" panose="02010600040101010101" pitchFamily="2" charset="-122"/>
+              </a:rPr>
+              <a:t>统计功效计算；</a:t>
+            </a:r>
+            <a:r>
+              <a:rPr lang="en-US" altLang="zh-CN" sz="2000" u="sng" dirty="0">
+                <a:solidFill>
+                  <a:srgbClr val="FF0000"/>
+                </a:solidFill>
+                <a:latin typeface="Kaiti SC" panose="02010600040101010101" pitchFamily="2" charset="-122"/>
+                <a:ea typeface="Kaiti SC" panose="02010600040101010101" pitchFamily="2" charset="-122"/>
+              </a:rPr>
+              <a:t>II-III</a:t>
+            </a:r>
+            <a:r>
+              <a:rPr lang="zh-CN" altLang="en-US" sz="2000" u="sng" dirty="0">
+                <a:solidFill>
+                  <a:srgbClr val="FF0000"/>
+                </a:solidFill>
+                <a:latin typeface="Kaiti SC" panose="02010600040101010101" pitchFamily="2" charset="-122"/>
+                <a:ea typeface="Kaiti SC" panose="02010600040101010101" pitchFamily="2" charset="-122"/>
+              </a:rPr>
+              <a:t>淘汰</a:t>
+            </a:r>
+            <a:r>
+              <a:rPr lang="en-AU" altLang="zh-CN" sz="2000" u="sng" dirty="0">
+                <a:solidFill>
+                  <a:srgbClr val="FF0000"/>
+                </a:solidFill>
+                <a:latin typeface="Kaiti SC" panose="02010600040101010101" pitchFamily="2" charset="-122"/>
+                <a:ea typeface="Kaiti SC" panose="02010600040101010101" pitchFamily="2" charset="-122"/>
+              </a:rPr>
+              <a:t>~</a:t>
+            </a:r>
+            <a:r>
+              <a:rPr lang="en-US" altLang="zh-CN" sz="2000" u="sng" dirty="0">
+                <a:solidFill>
+                  <a:srgbClr val="FF0000"/>
+                </a:solidFill>
+                <a:latin typeface="Kaiti SC" panose="02010600040101010101" pitchFamily="2" charset="-122"/>
+                <a:ea typeface="Kaiti SC" panose="02010600040101010101" pitchFamily="2" charset="-122"/>
+              </a:rPr>
+              <a:t>50%-55%</a:t>
+            </a:r>
+            <a:r>
+              <a:rPr lang="en-US" altLang="zh-CN" sz="2000" dirty="0">
+                <a:latin typeface="Kaiti SC" panose="02010600040101010101" pitchFamily="2" charset="-122"/>
+                <a:ea typeface="Kaiti SC" panose="02010600040101010101" pitchFamily="2" charset="-122"/>
+              </a:rPr>
+              <a:t>]</a:t>
             </a:r>
             <a:br>
-              <a:rPr lang="en-US" altLang="zh-CN" dirty="0">
+              <a:rPr lang="en-US" altLang="zh-CN" sz="2000" dirty="0">
                 <a:latin typeface="Kaiti SC" panose="02010600040101010101" pitchFamily="2" charset="-122"/>
                 <a:ea typeface="Kaiti SC" panose="02010600040101010101" pitchFamily="2" charset="-122"/>
               </a:rPr>
             </a:br>
-            <a:r>
-              <a:rPr lang="zh-CN" altLang="en-US" sz="2000" dirty="0">
-                <a:latin typeface="Kaiti SC" panose="02010600040101010101" pitchFamily="2" charset="-122"/>
-                <a:ea typeface="Kaiti SC" panose="02010600040101010101" pitchFamily="2" charset="-122"/>
-              </a:rPr>
-              <a:t>捡到一份体检报告，上面的信息都不清楚了，只有身高信息</a:t>
-            </a:r>
             <a:endParaRPr lang="en-US" altLang="zh-CN" sz="2000" dirty="0">
               <a:latin typeface="Kaiti SC" panose="02010600040101010101" pitchFamily="2" charset="-122"/>
               <a:ea typeface="Kaiti SC" panose="02010600040101010101" pitchFamily="2" charset="-122"/>
             </a:endParaRPr>
           </a:p>
           <a:p>
-            <a:endParaRPr lang="en-US" dirty="0">
-              <a:latin typeface="Kaiti SC" panose="02010600040101010101" pitchFamily="2" charset="-122"/>
-              <a:ea typeface="Kaiti SC" panose="02010600040101010101" pitchFamily="2" charset="-122"/>
-            </a:endParaRPr>
-          </a:p>
-          <a:p>
-            <a:r>
-              <a:rPr lang="zh-CN" altLang="en-US" dirty="0">
-                <a:highlight>
-                  <a:srgbClr val="00FFFF"/>
-                </a:highlight>
-                <a:latin typeface="Kaiti SC" panose="02010600040101010101" pitchFamily="2" charset="-122"/>
-                <a:ea typeface="Kaiti SC" panose="02010600040101010101" pitchFamily="2" charset="-122"/>
-              </a:rPr>
-              <a:t>第二个假象的例子</a:t>
+            <a:r>
+              <a:rPr lang="en-US" altLang="zh-CN" sz="2000" b="1" u="sng" dirty="0">
+                <a:latin typeface="Kaiti SC" panose="02010600040101010101" pitchFamily="2" charset="-122"/>
+                <a:ea typeface="Kaiti SC" panose="02010600040101010101" pitchFamily="2" charset="-122"/>
+              </a:rPr>
+              <a:t>IV</a:t>
+            </a:r>
+            <a:r>
+              <a:rPr lang="zh-CN" altLang="en-US" sz="2000" b="1" u="sng" dirty="0">
+                <a:latin typeface="Kaiti SC" panose="02010600040101010101" pitchFamily="2" charset="-122"/>
+                <a:ea typeface="Kaiti SC" panose="02010600040101010101" pitchFamily="2" charset="-122"/>
+              </a:rPr>
+              <a:t>期</a:t>
             </a:r>
             <a:br>
-              <a:rPr lang="en-US" altLang="zh-CN" dirty="0">
+              <a:rPr lang="en-AU" altLang="zh-CN" sz="2000" dirty="0">
                 <a:latin typeface="Kaiti SC" panose="02010600040101010101" pitchFamily="2" charset="-122"/>
                 <a:ea typeface="Kaiti SC" panose="02010600040101010101" pitchFamily="2" charset="-122"/>
               </a:rPr>
@@ -3608,341 +4390,120 @@
                 <a:latin typeface="Kaiti SC" panose="02010600040101010101" pitchFamily="2" charset="-122"/>
                 <a:ea typeface="Kaiti SC" panose="02010600040101010101" pitchFamily="2" charset="-122"/>
               </a:rPr>
-              <a:t>一种降血压新药，服用之后似乎可以降低血压</a:t>
-            </a:r>
-            <a:r>
+              <a:t>临床试验不良反应监测</a:t>
+            </a:r>
+            <a:br>
               <a:rPr lang="en-US" altLang="zh-CN" sz="2000" dirty="0">
                 <a:latin typeface="Kaiti SC" panose="02010600040101010101" pitchFamily="2" charset="-122"/>
                 <a:ea typeface="Kaiti SC" panose="02010600040101010101" pitchFamily="2" charset="-122"/>
               </a:rPr>
-              <a:t>10</a:t>
-            </a:r>
+            </a:br>
+            <a:br>
+              <a:rPr lang="en-US" altLang="zh-CN" sz="2000" dirty="0">
+                <a:latin typeface="Kaiti SC" panose="02010600040101010101" pitchFamily="2" charset="-122"/>
+                <a:ea typeface="Kaiti SC" panose="02010600040101010101" pitchFamily="2" charset="-122"/>
+              </a:rPr>
+            </a:br>
             <a:endParaRPr lang="en-US" sz="2000" dirty="0">
               <a:latin typeface="Kaiti SC" panose="02010600040101010101" pitchFamily="2" charset="-122"/>
               <a:ea typeface="Kaiti SC" panose="02010600040101010101" pitchFamily="2" charset="-122"/>
             </a:endParaRPr>
           </a:p>
-          <a:p>
-            <a:endParaRPr lang="en-US" sz="2000" dirty="0">
-              <a:latin typeface="Kaiti SC" panose="02010600040101010101" pitchFamily="2" charset="-122"/>
-              <a:ea typeface="Kaiti SC" panose="02010600040101010101" pitchFamily="2" charset="-122"/>
-            </a:endParaRPr>
-          </a:p>
-        </p:txBody>
-      </p:sp>
-      <p:graphicFrame>
-        <p:nvGraphicFramePr>
-          <p:cNvPr id="4" name="Table 3">
-            <a:extLst>
-              <a:ext uri="{FF2B5EF4-FFF2-40B4-BE49-F238E27FC236}">
-                <a16:creationId xmlns:a16="http://schemas.microsoft.com/office/drawing/2014/main" id="{4FCF6C36-1D3B-3946-8E22-62B66A72E1ED}"/>
-              </a:ext>
-            </a:extLst>
-          </p:cNvPr>
-          <p:cNvGraphicFramePr>
-            <a:graphicFrameLocks noGrp="1"/>
-          </p:cNvGraphicFramePr>
-          <p:nvPr>
-            <p:extLst>
-              <p:ext uri="{D42A27DB-BD31-4B8C-83A1-F6EECF244321}">
-                <p14:modId xmlns:p14="http://schemas.microsoft.com/office/powerpoint/2010/main" val="2203890283"/>
-              </p:ext>
-            </p:extLst>
-          </p:nvPr>
-        </p:nvGraphicFramePr>
-        <p:xfrm>
-          <a:off x="3990108" y="5089780"/>
-          <a:ext cx="6169892" cy="1483360"/>
-        </p:xfrm>
-        <a:graphic>
-          <a:graphicData uri="http://schemas.openxmlformats.org/drawingml/2006/table">
-            <a:tbl>
-              <a:tblPr firstRow="1" bandRow="1">
-                <a:tableStyleId>{5C22544A-7EE6-4342-B048-85BDC9FD1C3A}</a:tableStyleId>
-              </a:tblPr>
-              <a:tblGrid>
-                <a:gridCol w="1542473">
-                  <a:extLst>
-                    <a:ext uri="{9D8B030D-6E8A-4147-A177-3AD203B41FA5}">
-                      <a16:colId xmlns:a16="http://schemas.microsoft.com/office/drawing/2014/main" val="3836919645"/>
-                    </a:ext>
-                  </a:extLst>
-                </a:gridCol>
-                <a:gridCol w="1542473">
-                  <a:extLst>
-                    <a:ext uri="{9D8B030D-6E8A-4147-A177-3AD203B41FA5}">
-                      <a16:colId xmlns:a16="http://schemas.microsoft.com/office/drawing/2014/main" val="909905730"/>
-                    </a:ext>
-                  </a:extLst>
-                </a:gridCol>
-                <a:gridCol w="1542473">
-                  <a:extLst>
-                    <a:ext uri="{9D8B030D-6E8A-4147-A177-3AD203B41FA5}">
-                      <a16:colId xmlns:a16="http://schemas.microsoft.com/office/drawing/2014/main" val="392144006"/>
-                    </a:ext>
-                  </a:extLst>
-                </a:gridCol>
-                <a:gridCol w="1542473">
-                  <a:extLst>
-                    <a:ext uri="{9D8B030D-6E8A-4147-A177-3AD203B41FA5}">
-                      <a16:colId xmlns:a16="http://schemas.microsoft.com/office/drawing/2014/main" val="1542038943"/>
-                    </a:ext>
-                  </a:extLst>
-                </a:gridCol>
-              </a:tblGrid>
-              <a:tr h="370840">
-                <a:tc>
-                  <a:txBody>
-                    <a:bodyPr/>
-                    <a:lstStyle/>
-                    <a:p>
-                      <a:endParaRPr lang="en-US" dirty="0"/>
-                    </a:p>
-                  </a:txBody>
-                  <a:tcPr/>
-                </a:tc>
-                <a:tc>
-                  <a:txBody>
-                    <a:bodyPr/>
-                    <a:lstStyle/>
-                    <a:p>
-                      <a:endParaRPr lang="en-US"/>
-                    </a:p>
-                  </a:txBody>
-                  <a:tcPr/>
-                </a:tc>
-                <a:tc gridSpan="2">
-                  <a:txBody>
-                    <a:bodyPr/>
-                    <a:lstStyle/>
-                    <a:p>
-                      <a:pPr algn="ctr"/>
-                      <a:r>
-                        <a:rPr lang="en-US" dirty="0"/>
-                        <a:t>Decision</a:t>
-                      </a:r>
-                    </a:p>
-                  </a:txBody>
-                  <a:tcPr/>
-                </a:tc>
-                <a:tc hMerge="1">
-                  <a:txBody>
-                    <a:bodyPr/>
-                    <a:lstStyle/>
-                    <a:p>
-                      <a:endParaRPr lang="en-US" dirty="0"/>
-                    </a:p>
-                  </a:txBody>
-                  <a:tcPr/>
-                </a:tc>
-                <a:extLst>
-                  <a:ext uri="{0D108BD9-81ED-4DB2-BD59-A6C34878D82A}">
-                    <a16:rowId xmlns:a16="http://schemas.microsoft.com/office/drawing/2014/main" val="3818819767"/>
-                  </a:ext>
-                </a:extLst>
-              </a:tr>
-              <a:tr h="370840">
-                <a:tc>
-                  <a:txBody>
-                    <a:bodyPr/>
-                    <a:lstStyle/>
-                    <a:p>
-                      <a:endParaRPr lang="en-US"/>
-                    </a:p>
-                  </a:txBody>
-                  <a:tcPr/>
-                </a:tc>
-                <a:tc>
-                  <a:txBody>
-                    <a:bodyPr/>
-                    <a:lstStyle/>
-                    <a:p>
-                      <a:endParaRPr lang="en-US"/>
-                    </a:p>
-                  </a:txBody>
-                  <a:tcPr/>
-                </a:tc>
-                <a:tc>
-                  <a:txBody>
-                    <a:bodyPr/>
-                    <a:lstStyle/>
-                    <a:p>
-                      <a:pPr algn="ctr"/>
-                      <a:r>
-                        <a:rPr lang="en-US" dirty="0"/>
-                        <a:t>Accept </a:t>
-                      </a:r>
-                      <a:r>
-                        <a:rPr lang="en-US" i="1" dirty="0"/>
-                        <a:t>H</a:t>
-                      </a:r>
-                      <a:r>
-                        <a:rPr lang="en-US" i="1" baseline="-25000" dirty="0"/>
-                        <a:t>0</a:t>
-                      </a:r>
-                    </a:p>
-                  </a:txBody>
-                  <a:tcPr/>
-                </a:tc>
-                <a:tc>
-                  <a:txBody>
-                    <a:bodyPr/>
-                    <a:lstStyle/>
-                    <a:p>
-                      <a:pPr algn="ctr"/>
-                      <a:r>
-                        <a:rPr lang="en-US" dirty="0"/>
-                        <a:t>Reject </a:t>
-                      </a:r>
-                      <a:r>
-                        <a:rPr lang="en-US" i="1" dirty="0"/>
-                        <a:t>H</a:t>
-                      </a:r>
-                      <a:r>
-                        <a:rPr lang="en-US" i="1" baseline="-25000" dirty="0"/>
-                        <a:t>0</a:t>
-                      </a:r>
-                    </a:p>
-                  </a:txBody>
-                  <a:tcPr/>
-                </a:tc>
-                <a:extLst>
-                  <a:ext uri="{0D108BD9-81ED-4DB2-BD59-A6C34878D82A}">
-                    <a16:rowId xmlns:a16="http://schemas.microsoft.com/office/drawing/2014/main" val="2780935585"/>
-                  </a:ext>
-                </a:extLst>
-              </a:tr>
-              <a:tr h="370840">
-                <a:tc rowSpan="2">
-                  <a:txBody>
-                    <a:bodyPr/>
-                    <a:lstStyle/>
-                    <a:p>
-                      <a:r>
-                        <a:rPr lang="en-US" dirty="0"/>
-                        <a:t>Truth</a:t>
-                      </a:r>
-                    </a:p>
-                  </a:txBody>
-                  <a:tcPr/>
-                </a:tc>
-                <a:tc>
-                  <a:txBody>
-                    <a:bodyPr/>
-                    <a:lstStyle/>
-                    <a:p>
-                      <a:r>
-                        <a:rPr lang="en-US" i="1" dirty="0"/>
-                        <a:t>H</a:t>
-                      </a:r>
-                      <a:r>
-                        <a:rPr lang="en-US" i="1" baseline="-25000" dirty="0"/>
-                        <a:t>0</a:t>
-                      </a:r>
-                    </a:p>
-                  </a:txBody>
-                  <a:tcPr/>
-                </a:tc>
-                <a:tc>
-                  <a:txBody>
-                    <a:bodyPr/>
-                    <a:lstStyle/>
-                    <a:p>
-                      <a:r>
-                        <a:rPr lang="en-US" dirty="0"/>
-                        <a:t>Correct</a:t>
-                      </a:r>
-                    </a:p>
-                  </a:txBody>
-                  <a:tcPr/>
-                </a:tc>
-                <a:tc>
-                  <a:txBody>
-                    <a:bodyPr/>
-                    <a:lstStyle/>
-                    <a:p>
-                      <a:r>
-                        <a:rPr lang="en-US" dirty="0"/>
-                        <a:t>Type I error</a:t>
-                      </a:r>
-                    </a:p>
-                  </a:txBody>
-                  <a:tcPr/>
-                </a:tc>
-                <a:extLst>
-                  <a:ext uri="{0D108BD9-81ED-4DB2-BD59-A6C34878D82A}">
-                    <a16:rowId xmlns:a16="http://schemas.microsoft.com/office/drawing/2014/main" val="1784134598"/>
-                  </a:ext>
-                </a:extLst>
-              </a:tr>
-              <a:tr h="370840">
-                <a:tc vMerge="1">
-                  <a:txBody>
-                    <a:bodyPr/>
-                    <a:lstStyle/>
-                    <a:p>
-                      <a:endParaRPr lang="en-US" dirty="0"/>
-                    </a:p>
-                  </a:txBody>
-                  <a:tcPr/>
-                </a:tc>
-                <a:tc>
-                  <a:txBody>
-                    <a:bodyPr/>
-                    <a:lstStyle/>
-                    <a:p>
-                      <a:r>
-                        <a:rPr lang="en-US" i="1" dirty="0"/>
-                        <a:t>H</a:t>
-                      </a:r>
-                      <a:r>
-                        <a:rPr lang="en-US" i="1" baseline="-25000" dirty="0"/>
-                        <a:t>1</a:t>
-                      </a:r>
-                    </a:p>
-                  </a:txBody>
-                  <a:tcPr/>
-                </a:tc>
-                <a:tc>
-                  <a:txBody>
-                    <a:bodyPr/>
-                    <a:lstStyle/>
-                    <a:p>
-                      <a:r>
-                        <a:rPr lang="en-US" dirty="0"/>
-                        <a:t>Type II error</a:t>
-                      </a:r>
-                    </a:p>
-                  </a:txBody>
-                  <a:tcPr/>
-                </a:tc>
-                <a:tc>
-                  <a:txBody>
-                    <a:bodyPr/>
-                    <a:lstStyle/>
-                    <a:p>
-                      <a:r>
-                        <a:rPr lang="en-US" dirty="0"/>
-                        <a:t>Correct</a:t>
-                      </a:r>
-                    </a:p>
-                  </a:txBody>
-                  <a:tcPr/>
-                </a:tc>
-                <a:extLst>
-                  <a:ext uri="{0D108BD9-81ED-4DB2-BD59-A6C34878D82A}">
-                    <a16:rowId xmlns:a16="http://schemas.microsoft.com/office/drawing/2014/main" val="583894455"/>
-                  </a:ext>
-                </a:extLst>
-              </a:tr>
-            </a:tbl>
-          </a:graphicData>
-        </a:graphic>
-      </p:graphicFrame>
+        </p:txBody>
+      </p:sp>
+      <p:pic>
+        <p:nvPicPr>
+          <p:cNvPr id="7" name="Picture 6">
+            <a:extLst>
+              <a:ext uri="{FF2B5EF4-FFF2-40B4-BE49-F238E27FC236}">
+                <a16:creationId xmlns:a16="http://schemas.microsoft.com/office/drawing/2014/main" id="{3790A8CE-93D6-EA43-A9CA-18170231B377}"/>
+              </a:ext>
+            </a:extLst>
+          </p:cNvPr>
+          <p:cNvPicPr>
+            <a:picLocks noChangeAspect="1"/>
+          </p:cNvPicPr>
+          <p:nvPr/>
+        </p:nvPicPr>
+        <p:blipFill>
+          <a:blip r:embed="rId2"/>
+          <a:stretch>
+            <a:fillRect/>
+          </a:stretch>
+        </p:blipFill>
+        <p:spPr>
+          <a:xfrm>
+            <a:off x="9147636" y="5444967"/>
+            <a:ext cx="1853849" cy="1260617"/>
+          </a:xfrm>
+          <a:prstGeom prst="rect">
+            <a:avLst/>
+          </a:prstGeom>
+        </p:spPr>
+      </p:pic>
+      <p:sp>
+        <p:nvSpPr>
+          <p:cNvPr id="4" name="Slide Number Placeholder 3">
+            <a:extLst>
+              <a:ext uri="{FF2B5EF4-FFF2-40B4-BE49-F238E27FC236}">
+                <a16:creationId xmlns:a16="http://schemas.microsoft.com/office/drawing/2014/main" id="{1C9C23B3-092F-D643-8A7B-D5907EDA382E}"/>
+              </a:ext>
+            </a:extLst>
+          </p:cNvPr>
+          <p:cNvSpPr>
+            <a:spLocks noGrp="1"/>
+          </p:cNvSpPr>
+          <p:nvPr>
+            <p:ph type="sldNum" sz="quarter" idx="12"/>
+          </p:nvPr>
+        </p:nvSpPr>
+        <p:spPr/>
+        <p:txBody>
+          <a:bodyPr/>
+          <a:lstStyle/>
+          <a:p>
+            <a:fld id="{419A3543-2AD2-8842-ABE5-219686FDD7E3}" type="slidenum">
+              <a:rPr lang="en-US" smtClean="0"/>
+              <a:t>2</a:t>
+            </a:fld>
+            <a:endParaRPr lang="en-US"/>
+          </a:p>
+        </p:txBody>
+      </p:sp>
+      <p:pic>
+        <p:nvPicPr>
+          <p:cNvPr id="8" name="Picture 7">
+            <a:extLst>
+              <a:ext uri="{FF2B5EF4-FFF2-40B4-BE49-F238E27FC236}">
+                <a16:creationId xmlns:a16="http://schemas.microsoft.com/office/drawing/2014/main" id="{4624D1E0-E630-1340-B012-A05E58DF481A}"/>
+              </a:ext>
+            </a:extLst>
+          </p:cNvPr>
+          <p:cNvPicPr>
+            <a:picLocks noChangeAspect="1"/>
+          </p:cNvPicPr>
+          <p:nvPr/>
+        </p:nvPicPr>
+        <p:blipFill>
+          <a:blip r:embed="rId3"/>
+          <a:stretch>
+            <a:fillRect/>
+          </a:stretch>
+        </p:blipFill>
+        <p:spPr>
+          <a:xfrm>
+            <a:off x="9581087" y="1366061"/>
+            <a:ext cx="1231900" cy="2362200"/>
+          </a:xfrm>
+          <a:prstGeom prst="rect">
+            <a:avLst/>
+          </a:prstGeom>
+        </p:spPr>
+      </p:pic>
     </p:spTree>
     <p:extLst>
       <p:ext uri="{BB962C8B-B14F-4D97-AF65-F5344CB8AC3E}">
-        <p14:creationId xmlns:p14="http://schemas.microsoft.com/office/powerpoint/2010/main" val="4170728617"/>
+        <p14:creationId xmlns:p14="http://schemas.microsoft.com/office/powerpoint/2010/main" val="2478197277"/>
       </p:ext>
     </p:extLst>
   </p:cSld>
@@ -3974,6 +4535,491 @@
           <p:cNvPr id="2" name="Title 1">
             <a:extLst>
               <a:ext uri="{FF2B5EF4-FFF2-40B4-BE49-F238E27FC236}">
+                <a16:creationId xmlns:a16="http://schemas.microsoft.com/office/drawing/2014/main" id="{7F6AFAEC-28BD-2F47-A5D8-CB80D1575B1D}"/>
+              </a:ext>
+            </a:extLst>
+          </p:cNvPr>
+          <p:cNvSpPr>
+            <a:spLocks noGrp="1"/>
+          </p:cNvSpPr>
+          <p:nvPr>
+            <p:ph type="title"/>
+          </p:nvPr>
+        </p:nvSpPr>
+        <p:spPr/>
+        <p:txBody>
+          <a:bodyPr/>
+          <a:lstStyle/>
+          <a:p>
+            <a:pPr algn="ctr"/>
+            <a:r>
+              <a:rPr lang="zh-CN" altLang="en-US" dirty="0">
+                <a:latin typeface="Kaiti SC" panose="02010600040101010101" pitchFamily="2" charset="-122"/>
+                <a:ea typeface="Kaiti SC" panose="02010600040101010101" pitchFamily="2" charset="-122"/>
+              </a:rPr>
+              <a:t>药物试验</a:t>
+            </a:r>
+            <a:endParaRPr lang="en-US" dirty="0">
+              <a:latin typeface="Kaiti SC" panose="02010600040101010101" pitchFamily="2" charset="-122"/>
+              <a:ea typeface="Kaiti SC" panose="02010600040101010101" pitchFamily="2" charset="-122"/>
+            </a:endParaRPr>
+          </a:p>
+        </p:txBody>
+      </p:sp>
+      <p:sp>
+        <p:nvSpPr>
+          <p:cNvPr id="3" name="Content Placeholder 2">
+            <a:extLst>
+              <a:ext uri="{FF2B5EF4-FFF2-40B4-BE49-F238E27FC236}">
+                <a16:creationId xmlns:a16="http://schemas.microsoft.com/office/drawing/2014/main" id="{37B44297-6D54-0F43-B867-B0DEC2511B43}"/>
+              </a:ext>
+            </a:extLst>
+          </p:cNvPr>
+          <p:cNvSpPr>
+            <a:spLocks noGrp="1"/>
+          </p:cNvSpPr>
+          <p:nvPr>
+            <p:ph idx="1"/>
+          </p:nvPr>
+        </p:nvSpPr>
+        <p:spPr>
+          <a:xfrm>
+            <a:off x="838200" y="1775832"/>
+            <a:ext cx="10515600" cy="1810516"/>
+          </a:xfrm>
+        </p:spPr>
+        <p:txBody>
+          <a:bodyPr>
+            <a:normAutofit/>
+          </a:bodyPr>
+          <a:lstStyle/>
+          <a:p>
+            <a:pPr marL="0" indent="0">
+              <a:buNone/>
+            </a:pPr>
+            <a:r>
+              <a:rPr lang="en-US" altLang="zh-CN" sz="2000" dirty="0">
+                <a:highlight>
+                  <a:srgbClr val="FFFF00"/>
+                </a:highlight>
+                <a:latin typeface="Kaiti SC" panose="02010600040101010101" pitchFamily="2" charset="-122"/>
+                <a:ea typeface="Kaiti SC" panose="02010600040101010101" pitchFamily="2" charset="-122"/>
+              </a:rPr>
+              <a:t>《</a:t>
+            </a:r>
+            <a:r>
+              <a:rPr lang="zh-CN" altLang="en-AU" sz="2000" dirty="0">
+                <a:highlight>
+                  <a:srgbClr val="FFFF00"/>
+                </a:highlight>
+                <a:latin typeface="Kaiti SC" panose="02010600040101010101" pitchFamily="2" charset="-122"/>
+                <a:ea typeface="Kaiti SC" panose="02010600040101010101" pitchFamily="2" charset="-122"/>
+              </a:rPr>
+              <a:t>圣经</a:t>
+            </a:r>
+            <a:r>
+              <a:rPr lang="en-US" altLang="zh-CN" sz="2000" dirty="0">
+                <a:highlight>
+                  <a:srgbClr val="FFFF00"/>
+                </a:highlight>
+                <a:latin typeface="Kaiti SC" panose="02010600040101010101" pitchFamily="2" charset="-122"/>
+                <a:ea typeface="Kaiti SC" panose="02010600040101010101" pitchFamily="2" charset="-122"/>
+              </a:rPr>
+              <a:t>》</a:t>
+            </a:r>
+            <a:r>
+              <a:rPr lang="zh-CN" altLang="en-US" sz="2000" dirty="0">
+                <a:highlight>
+                  <a:srgbClr val="FFFF00"/>
+                </a:highlight>
+                <a:latin typeface="Kaiti SC" panose="02010600040101010101" pitchFamily="2" charset="-122"/>
+                <a:ea typeface="Kaiti SC" panose="02010600040101010101" pitchFamily="2" charset="-122"/>
+              </a:rPr>
+              <a:t> </a:t>
+            </a:r>
+            <a:r>
+              <a:rPr lang="zh-CN" altLang="en-AU" sz="2000" dirty="0">
+                <a:highlight>
+                  <a:srgbClr val="FFFF00"/>
+                </a:highlight>
+                <a:latin typeface="Kaiti SC" panose="02010600040101010101" pitchFamily="2" charset="-122"/>
+                <a:ea typeface="Kaiti SC" panose="02010600040101010101" pitchFamily="2" charset="-122"/>
+              </a:rPr>
+              <a:t>但</a:t>
+            </a:r>
+            <a:r>
+              <a:rPr lang="zh-CN" altLang="en-US" sz="2000" dirty="0">
+                <a:highlight>
+                  <a:srgbClr val="FFFF00"/>
+                </a:highlight>
+                <a:latin typeface="Kaiti SC" panose="02010600040101010101" pitchFamily="2" charset="-122"/>
+                <a:ea typeface="Kaiti SC" panose="02010600040101010101" pitchFamily="2" charset="-122"/>
+              </a:rPr>
+              <a:t>以理书</a:t>
+            </a:r>
+            <a:r>
+              <a:rPr lang="en-US" altLang="zh-CN" sz="2000" dirty="0">
+                <a:highlight>
+                  <a:srgbClr val="FFFF00"/>
+                </a:highlight>
+                <a:latin typeface="Kaiti SC" panose="02010600040101010101" pitchFamily="2" charset="-122"/>
+                <a:ea typeface="Kaiti SC" panose="02010600040101010101" pitchFamily="2" charset="-122"/>
+              </a:rPr>
+              <a:t>1:8-16</a:t>
+            </a:r>
+          </a:p>
+          <a:p>
+            <a:pPr marL="0" indent="0">
+              <a:buNone/>
+            </a:pPr>
+            <a:r>
+              <a:rPr lang="zh-CN" altLang="en-US" sz="2000" dirty="0">
+                <a:latin typeface="Kaiti SC" panose="02010600040101010101" pitchFamily="2" charset="-122"/>
+                <a:ea typeface="Kaiti SC" panose="02010600040101010101" pitchFamily="2" charset="-122"/>
+              </a:rPr>
+              <a:t>巴比伦尼布甲尼撒二世</a:t>
+            </a:r>
+            <a:r>
+              <a:rPr lang="en-US" sz="2000" dirty="0">
+                <a:latin typeface="Kaiti SC" panose="02010600040101010101" pitchFamily="2" charset="-122"/>
+                <a:ea typeface="Kaiti SC" panose="02010600040101010101" pitchFamily="2" charset="-122"/>
+              </a:rPr>
+              <a:t>[Nebuchadnezzar II</a:t>
+            </a:r>
+            <a:r>
+              <a:rPr lang="zh-CN" altLang="en-US" sz="2000" dirty="0">
+                <a:latin typeface="Kaiti SC" panose="02010600040101010101" pitchFamily="2" charset="-122"/>
+                <a:ea typeface="Kaiti SC" panose="02010600040101010101" pitchFamily="2" charset="-122"/>
+              </a:rPr>
+              <a:t>，</a:t>
+            </a:r>
+            <a:r>
+              <a:rPr lang="en-US" altLang="zh-CN" sz="2000" dirty="0">
+                <a:latin typeface="Kaiti SC" panose="02010600040101010101" pitchFamily="2" charset="-122"/>
+                <a:ea typeface="Kaiti SC" panose="02010600040101010101" pitchFamily="2" charset="-122"/>
+              </a:rPr>
+              <a:t>605/604~562</a:t>
+            </a:r>
+            <a:r>
+              <a:rPr lang="zh-CN" altLang="en-US" sz="2000" dirty="0">
+                <a:latin typeface="Kaiti SC" panose="02010600040101010101" pitchFamily="2" charset="-122"/>
+                <a:ea typeface="Kaiti SC" panose="02010600040101010101" pitchFamily="2" charset="-122"/>
+              </a:rPr>
+              <a:t> </a:t>
+            </a:r>
+            <a:r>
+              <a:rPr lang="en-US" altLang="zh-CN" sz="2000" dirty="0">
+                <a:latin typeface="Kaiti SC" panose="02010600040101010101" pitchFamily="2" charset="-122"/>
+                <a:ea typeface="Kaiti SC" panose="02010600040101010101" pitchFamily="2" charset="-122"/>
+              </a:rPr>
+              <a:t>BCE</a:t>
+            </a:r>
+            <a:r>
+              <a:rPr lang="en-US" sz="2000" dirty="0">
+                <a:latin typeface="Kaiti SC" panose="02010600040101010101" pitchFamily="2" charset="-122"/>
+                <a:ea typeface="Kaiti SC" panose="02010600040101010101" pitchFamily="2" charset="-122"/>
+              </a:rPr>
+              <a:t>]:</a:t>
+            </a:r>
+            <a:br>
+              <a:rPr lang="en-US" sz="2000" dirty="0">
+                <a:latin typeface="Kaiti SC" panose="02010600040101010101" pitchFamily="2" charset="-122"/>
+                <a:ea typeface="Kaiti SC" panose="02010600040101010101" pitchFamily="2" charset="-122"/>
+              </a:rPr>
+            </a:br>
+            <a:r>
+              <a:rPr lang="zh-CN" altLang="en-US" sz="2000" dirty="0">
+                <a:latin typeface="Kaiti SC" panose="02010600040101010101" pitchFamily="2" charset="-122"/>
+                <a:ea typeface="Kaiti SC" panose="02010600040101010101" pitchFamily="2" charset="-122"/>
+              </a:rPr>
+              <a:t>试验分两组：一组</a:t>
+            </a:r>
+            <a:r>
+              <a:rPr lang="zh-CN" altLang="en-US" sz="2000" dirty="0">
+                <a:highlight>
+                  <a:srgbClr val="FF00FF"/>
+                </a:highlight>
+                <a:latin typeface="Kaiti SC" panose="02010600040101010101" pitchFamily="2" charset="-122"/>
+                <a:ea typeface="Kaiti SC" panose="02010600040101010101" pitchFamily="2" charset="-122"/>
+              </a:rPr>
+              <a:t>吃蔬菜和水</a:t>
+            </a:r>
+            <a:r>
+              <a:rPr lang="zh-CN" altLang="en-US" sz="2000" dirty="0">
+                <a:latin typeface="Kaiti SC" panose="02010600040101010101" pitchFamily="2" charset="-122"/>
+                <a:ea typeface="Kaiti SC" panose="02010600040101010101" pitchFamily="2" charset="-122"/>
+              </a:rPr>
+              <a:t>，另一组吃宫廷“</a:t>
+            </a:r>
+            <a:r>
+              <a:rPr lang="zh-CN" altLang="en-US" sz="2000" dirty="0">
+                <a:highlight>
+                  <a:srgbClr val="00FFFF"/>
+                </a:highlight>
+                <a:latin typeface="Kaiti SC" panose="02010600040101010101" pitchFamily="2" charset="-122"/>
+                <a:ea typeface="Kaiti SC" panose="02010600040101010101" pitchFamily="2" charset="-122"/>
+              </a:rPr>
+              <a:t>御膳</a:t>
+            </a:r>
+            <a:r>
+              <a:rPr lang="zh-CN" altLang="en-US" sz="2000" dirty="0">
+                <a:latin typeface="Kaiti SC" panose="02010600040101010101" pitchFamily="2" charset="-122"/>
+                <a:ea typeface="Kaiti SC" panose="02010600040101010101" pitchFamily="2" charset="-122"/>
+              </a:rPr>
+              <a:t>”</a:t>
+            </a:r>
+            <a:r>
+              <a:rPr lang="en-US" altLang="zh-CN" sz="2000" dirty="0">
+                <a:latin typeface="Kaiti SC" panose="02010600040101010101" pitchFamily="2" charset="-122"/>
+                <a:ea typeface="Kaiti SC" panose="02010600040101010101" pitchFamily="2" charset="-122"/>
+              </a:rPr>
+              <a:t>+</a:t>
+            </a:r>
+            <a:r>
+              <a:rPr lang="zh-CN" altLang="en-US" sz="2000" dirty="0">
+                <a:latin typeface="Kaiti SC" panose="02010600040101010101" pitchFamily="2" charset="-122"/>
+                <a:ea typeface="Kaiti SC" panose="02010600040101010101" pitchFamily="2" charset="-122"/>
+              </a:rPr>
+              <a:t>酒。</a:t>
+            </a:r>
+            <a:br>
+              <a:rPr lang="en-US" altLang="zh-CN" sz="2000" dirty="0">
+                <a:latin typeface="Kaiti SC" panose="02010600040101010101" pitchFamily="2" charset="-122"/>
+                <a:ea typeface="Kaiti SC" panose="02010600040101010101" pitchFamily="2" charset="-122"/>
+              </a:rPr>
+            </a:br>
+            <a:r>
+              <a:rPr lang="en-US" sz="2000" dirty="0">
+                <a:latin typeface="Kaiti SC" panose="02010600040101010101" pitchFamily="2" charset="-122"/>
+                <a:ea typeface="Kaiti SC" panose="02010600040101010101" pitchFamily="2" charset="-122"/>
+              </a:rPr>
+              <a:t>10</a:t>
+            </a:r>
+            <a:r>
+              <a:rPr lang="zh-CN" altLang="en-US" sz="2000" dirty="0">
+                <a:latin typeface="Kaiti SC" panose="02010600040101010101" pitchFamily="2" charset="-122"/>
+                <a:ea typeface="Kaiti SC" panose="02010600040101010101" pitchFamily="2" charset="-122"/>
+              </a:rPr>
+              <a:t>天后，前者看上去更好。</a:t>
+            </a:r>
+            <a:endParaRPr lang="en-US" sz="2000" dirty="0">
+              <a:latin typeface="Kaiti SC" panose="02010600040101010101" pitchFamily="2" charset="-122"/>
+              <a:ea typeface="Kaiti SC" panose="02010600040101010101" pitchFamily="2" charset="-122"/>
+            </a:endParaRPr>
+          </a:p>
+        </p:txBody>
+      </p:sp>
+      <p:pic>
+        <p:nvPicPr>
+          <p:cNvPr id="5" name="Picture 4">
+            <a:extLst>
+              <a:ext uri="{FF2B5EF4-FFF2-40B4-BE49-F238E27FC236}">
+                <a16:creationId xmlns:a16="http://schemas.microsoft.com/office/drawing/2014/main" id="{C2D23ACA-E116-1147-8C1B-D19B31F9787C}"/>
+              </a:ext>
+            </a:extLst>
+          </p:cNvPr>
+          <p:cNvPicPr>
+            <a:picLocks noChangeAspect="1"/>
+          </p:cNvPicPr>
+          <p:nvPr/>
+        </p:nvPicPr>
+        <p:blipFill>
+          <a:blip r:embed="rId2"/>
+          <a:stretch>
+            <a:fillRect/>
+          </a:stretch>
+        </p:blipFill>
+        <p:spPr>
+          <a:xfrm>
+            <a:off x="8734093" y="1665457"/>
+            <a:ext cx="1697973" cy="1717268"/>
+          </a:xfrm>
+          <a:prstGeom prst="rect">
+            <a:avLst/>
+          </a:prstGeom>
+        </p:spPr>
+      </p:pic>
+      <p:sp>
+        <p:nvSpPr>
+          <p:cNvPr id="4" name="Slide Number Placeholder 3">
+            <a:extLst>
+              <a:ext uri="{FF2B5EF4-FFF2-40B4-BE49-F238E27FC236}">
+                <a16:creationId xmlns:a16="http://schemas.microsoft.com/office/drawing/2014/main" id="{A24AFF56-5ADA-584D-8D76-43607CA2C7A6}"/>
+              </a:ext>
+            </a:extLst>
+          </p:cNvPr>
+          <p:cNvSpPr>
+            <a:spLocks noGrp="1"/>
+          </p:cNvSpPr>
+          <p:nvPr>
+            <p:ph type="sldNum" sz="quarter" idx="12"/>
+          </p:nvPr>
+        </p:nvSpPr>
+        <p:spPr/>
+        <p:txBody>
+          <a:bodyPr/>
+          <a:lstStyle/>
+          <a:p>
+            <a:fld id="{419A3543-2AD2-8842-ABE5-219686FDD7E3}" type="slidenum">
+              <a:rPr lang="en-US" smtClean="0"/>
+              <a:t>3</a:t>
+            </a:fld>
+            <a:endParaRPr lang="en-US"/>
+          </a:p>
+        </p:txBody>
+      </p:sp>
+      <p:sp>
+        <p:nvSpPr>
+          <p:cNvPr id="6" name="TextBox 5">
+            <a:extLst>
+              <a:ext uri="{FF2B5EF4-FFF2-40B4-BE49-F238E27FC236}">
+                <a16:creationId xmlns:a16="http://schemas.microsoft.com/office/drawing/2014/main" id="{D245BA43-1055-AF44-A7F4-1EAC0DD818C5}"/>
+              </a:ext>
+            </a:extLst>
+          </p:cNvPr>
+          <p:cNvSpPr txBox="1"/>
+          <p:nvPr/>
+        </p:nvSpPr>
+        <p:spPr>
+          <a:xfrm>
+            <a:off x="876832" y="4141154"/>
+            <a:ext cx="9969992" cy="1323439"/>
+          </a:xfrm>
+          <a:prstGeom prst="rect">
+            <a:avLst/>
+          </a:prstGeom>
+          <a:noFill/>
+        </p:spPr>
+        <p:txBody>
+          <a:bodyPr wrap="square" rtlCol="0">
+            <a:spAutoFit/>
+          </a:bodyPr>
+          <a:lstStyle/>
+          <a:p>
+            <a:r>
+              <a:rPr lang="en-US" altLang="zh-CN" sz="2000" u="sng" dirty="0">
+                <a:highlight>
+                  <a:srgbClr val="FFFF00"/>
+                </a:highlight>
+                <a:latin typeface="Kaiti SC" panose="02010600040101010101" pitchFamily="2" charset="-122"/>
+                <a:ea typeface="Kaiti SC" panose="02010600040101010101" pitchFamily="2" charset="-122"/>
+              </a:rPr>
+              <a:t>《</a:t>
+            </a:r>
+            <a:r>
+              <a:rPr lang="zh-CN" altLang="en-AU" sz="2000" u="sng" dirty="0">
+                <a:highlight>
+                  <a:srgbClr val="FFFF00"/>
+                </a:highlight>
+                <a:latin typeface="Kaiti SC" panose="02010600040101010101" pitchFamily="2" charset="-122"/>
+                <a:ea typeface="Kaiti SC" panose="02010600040101010101" pitchFamily="2" charset="-122"/>
+              </a:rPr>
+              <a:t>本草</a:t>
+            </a:r>
+            <a:r>
+              <a:rPr lang="zh-CN" altLang="en-US" sz="2000" u="sng" dirty="0">
+                <a:highlight>
+                  <a:srgbClr val="FFFF00"/>
+                </a:highlight>
+                <a:latin typeface="Kaiti SC" panose="02010600040101010101" pitchFamily="2" charset="-122"/>
+                <a:ea typeface="Kaiti SC" panose="02010600040101010101" pitchFamily="2" charset="-122"/>
+              </a:rPr>
+              <a:t>图经</a:t>
+            </a:r>
+            <a:r>
+              <a:rPr lang="en-US" altLang="zh-CN" sz="2000" u="sng" dirty="0">
+                <a:highlight>
+                  <a:srgbClr val="FFFF00"/>
+                </a:highlight>
+                <a:latin typeface="Kaiti SC" panose="02010600040101010101" pitchFamily="2" charset="-122"/>
+                <a:ea typeface="Kaiti SC" panose="02010600040101010101" pitchFamily="2" charset="-122"/>
+              </a:rPr>
+              <a:t>》</a:t>
+            </a:r>
+            <a:endParaRPr lang="en-AU" altLang="zh-CN" sz="2000" u="sng" dirty="0">
+              <a:highlight>
+                <a:srgbClr val="FFFF00"/>
+              </a:highlight>
+              <a:latin typeface="Kaiti SC" panose="02010600040101010101" pitchFamily="2" charset="-122"/>
+              <a:ea typeface="Kaiti SC" panose="02010600040101010101" pitchFamily="2" charset="-122"/>
+            </a:endParaRPr>
+          </a:p>
+          <a:p>
+            <a:r>
+              <a:rPr lang="zh-CN" altLang="en-US" sz="2000" dirty="0">
+                <a:latin typeface="Kaiti SC" panose="02010600040101010101" pitchFamily="2" charset="-122"/>
+                <a:ea typeface="Kaiti SC" panose="02010600040101010101" pitchFamily="2" charset="-122"/>
+              </a:rPr>
+              <a:t>“相传欲试上党人参者，当使二人同走。</a:t>
+            </a:r>
+            <a:endParaRPr lang="en-US" altLang="zh-CN" sz="2000" dirty="0">
+              <a:latin typeface="Kaiti SC" panose="02010600040101010101" pitchFamily="2" charset="-122"/>
+              <a:ea typeface="Kaiti SC" panose="02010600040101010101" pitchFamily="2" charset="-122"/>
+            </a:endParaRPr>
+          </a:p>
+          <a:p>
+            <a:r>
+              <a:rPr lang="zh-CN" altLang="en-US" sz="2000" dirty="0">
+                <a:latin typeface="Kaiti SC" panose="02010600040101010101" pitchFamily="2" charset="-122"/>
+                <a:ea typeface="Kaiti SC" panose="02010600040101010101" pitchFamily="2" charset="-122"/>
+              </a:rPr>
+              <a:t>一与人参含之，一不与。</a:t>
+            </a:r>
+            <a:endParaRPr lang="en-US" altLang="zh-CN" sz="2000" dirty="0">
+              <a:latin typeface="Kaiti SC" panose="02010600040101010101" pitchFamily="2" charset="-122"/>
+              <a:ea typeface="Kaiti SC" panose="02010600040101010101" pitchFamily="2" charset="-122"/>
+            </a:endParaRPr>
+          </a:p>
+          <a:p>
+            <a:r>
+              <a:rPr lang="zh-CN" altLang="en-US" sz="2000" dirty="0">
+                <a:latin typeface="Kaiti SC" panose="02010600040101010101" pitchFamily="2" charset="-122"/>
+                <a:ea typeface="Kaiti SC" panose="02010600040101010101" pitchFamily="2" charset="-122"/>
+              </a:rPr>
+              <a:t>度走三、五里许，其不含人参者，必大喘，含者气息自如者，其人参乃真也。”</a:t>
+            </a:r>
+            <a:endParaRPr lang="en-US" sz="2000" dirty="0">
+              <a:latin typeface="Kaiti SC" panose="02010600040101010101" pitchFamily="2" charset="-122"/>
+              <a:ea typeface="Kaiti SC" panose="02010600040101010101" pitchFamily="2" charset="-122"/>
+            </a:endParaRPr>
+          </a:p>
+        </p:txBody>
+      </p:sp>
+    </p:spTree>
+    <p:extLst>
+      <p:ext uri="{BB962C8B-B14F-4D97-AF65-F5344CB8AC3E}">
+        <p14:creationId xmlns:p14="http://schemas.microsoft.com/office/powerpoint/2010/main" val="2758717149"/>
+      </p:ext>
+    </p:extLst>
+  </p:cSld>
+  <p:clrMapOvr>
+    <a:masterClrMapping/>
+  </p:clrMapOvr>
+</p:sld>
+</file>
+
+<file path=ppt/slides/slide4.xml><?xml version="1.0" encoding="utf-8"?>
+<p:sld xmlns:a="http://schemas.openxmlformats.org/drawingml/2006/main" xmlns:r="http://schemas.openxmlformats.org/officeDocument/2006/relationships" xmlns:p="http://schemas.openxmlformats.org/presentationml/2006/main">
+  <p:cSld>
+    <p:spTree>
+      <p:nvGrpSpPr>
+        <p:cNvPr id="1" name=""/>
+        <p:cNvGrpSpPr/>
+        <p:nvPr/>
+      </p:nvGrpSpPr>
+      <p:grpSpPr>
+        <a:xfrm>
+          <a:off x="0" y="0"/>
+          <a:ext cx="0" cy="0"/>
+          <a:chOff x="0" y="0"/>
+          <a:chExt cx="0" cy="0"/>
+        </a:xfrm>
+      </p:grpSpPr>
+      <p:sp>
+        <p:nvSpPr>
+          <p:cNvPr id="2" name="Title 1">
+            <a:extLst>
+              <a:ext uri="{FF2B5EF4-FFF2-40B4-BE49-F238E27FC236}">
                 <a16:creationId xmlns:a16="http://schemas.microsoft.com/office/drawing/2014/main" id="{4C0E9697-4E17-9042-928D-5A9082F81DA4}"/>
               </a:ext>
             </a:extLst>
@@ -4418,7 +5464,7 @@
           <a:graphicData uri="http://schemas.openxmlformats.org/presentationml/2006/ole">
             <mc:AlternateContent xmlns:mc="http://schemas.openxmlformats.org/markup-compatibility/2006">
               <mc:Choice xmlns:v="urn:schemas-microsoft-com:vml" Requires="v">
-                <p:oleObj spid="_x0000_s1036" name="Document" r:id="rId4" imgW="9144000" imgH="723900" progId="Word.Document.12">
+                <p:oleObj spid="_x0000_s1073" name="Document" r:id="rId4" imgW="9144000" imgH="723900" progId="Word.Document.12">
                   <p:embed/>
                 </p:oleObj>
               </mc:Choice>
@@ -4775,136 +5821,6 @@
 </p:sld>
 </file>
 
-<file path=ppt/slides/slide4.xml><?xml version="1.0" encoding="utf-8"?>
-<p:sld xmlns:a="http://schemas.openxmlformats.org/drawingml/2006/main" xmlns:r="http://schemas.openxmlformats.org/officeDocument/2006/relationships" xmlns:p="http://schemas.openxmlformats.org/presentationml/2006/main">
-  <p:cSld>
-    <p:spTree>
-      <p:nvGrpSpPr>
-        <p:cNvPr id="1" name=""/>
-        <p:cNvGrpSpPr/>
-        <p:nvPr/>
-      </p:nvGrpSpPr>
-      <p:grpSpPr>
-        <a:xfrm>
-          <a:off x="0" y="0"/>
-          <a:ext cx="0" cy="0"/>
-          <a:chOff x="0" y="0"/>
-          <a:chExt cx="0" cy="0"/>
-        </a:xfrm>
-      </p:grpSpPr>
-      <p:sp>
-        <p:nvSpPr>
-          <p:cNvPr id="2" name="Title 1">
-            <a:extLst>
-              <a:ext uri="{FF2B5EF4-FFF2-40B4-BE49-F238E27FC236}">
-                <a16:creationId xmlns:a16="http://schemas.microsoft.com/office/drawing/2014/main" id="{969D78FD-7103-CB42-899E-A097FE526536}"/>
-              </a:ext>
-            </a:extLst>
-          </p:cNvPr>
-          <p:cNvSpPr>
-            <a:spLocks noGrp="1"/>
-          </p:cNvSpPr>
-          <p:nvPr>
-            <p:ph type="title"/>
-          </p:nvPr>
-        </p:nvSpPr>
-        <p:spPr/>
-        <p:txBody>
-          <a:bodyPr/>
-          <a:lstStyle/>
-          <a:p>
-            <a:pPr algn="ctr"/>
-            <a:r>
-              <a:rPr lang="zh-CN" altLang="en-US" dirty="0">
-                <a:latin typeface="Kaiti SC" panose="02010600040101010101" pitchFamily="2" charset="-122"/>
-                <a:ea typeface="Kaiti SC" panose="02010600040101010101" pitchFamily="2" charset="-122"/>
-              </a:rPr>
-              <a:t>样本量估算的类型</a:t>
-            </a:r>
-            <a:endParaRPr lang="en-US" dirty="0">
-              <a:latin typeface="Kaiti SC" panose="02010600040101010101" pitchFamily="2" charset="-122"/>
-              <a:ea typeface="Kaiti SC" panose="02010600040101010101" pitchFamily="2" charset="-122"/>
-            </a:endParaRPr>
-          </a:p>
-        </p:txBody>
-      </p:sp>
-      <p:graphicFrame>
-        <p:nvGraphicFramePr>
-          <p:cNvPr id="4" name="Content Placeholder 3">
-            <a:extLst>
-              <a:ext uri="{FF2B5EF4-FFF2-40B4-BE49-F238E27FC236}">
-                <a16:creationId xmlns:a16="http://schemas.microsoft.com/office/drawing/2014/main" id="{00742067-59AF-7246-BE59-10E6927DB0BF}"/>
-              </a:ext>
-            </a:extLst>
-          </p:cNvPr>
-          <p:cNvGraphicFramePr>
-            <a:graphicFrameLocks noGrp="1" noChangeAspect="1"/>
-          </p:cNvGraphicFramePr>
-          <p:nvPr>
-            <p:ph idx="1"/>
-            <p:extLst>
-              <p:ext uri="{D42A27DB-BD31-4B8C-83A1-F6EECF244321}">
-                <p14:modId xmlns:p14="http://schemas.microsoft.com/office/powerpoint/2010/main" val="1439017843"/>
-              </p:ext>
-            </p:extLst>
-          </p:nvPr>
-        </p:nvGraphicFramePr>
-        <p:xfrm>
-          <a:off x="1524000" y="1780558"/>
-          <a:ext cx="9144000" cy="3086100"/>
-        </p:xfrm>
-        <a:graphic>
-          <a:graphicData uri="http://schemas.openxmlformats.org/presentationml/2006/ole">
-            <mc:AlternateContent xmlns:mc="http://schemas.openxmlformats.org/markup-compatibility/2006">
-              <mc:Choice xmlns:v="urn:schemas-microsoft-com:vml" Requires="v">
-                <p:oleObj spid="_x0000_s4102" name="Document" r:id="rId3" imgW="9144000" imgH="3086100" progId="Word.Document.12">
-                  <p:embed/>
-                </p:oleObj>
-              </mc:Choice>
-              <mc:Fallback>
-                <p:oleObj name="Document" r:id="rId3" imgW="9144000" imgH="3086100" progId="Word.Document.12">
-                  <p:embed/>
-                  <p:pic>
-                    <p:nvPicPr>
-                      <p:cNvPr id="0" name=""/>
-                      <p:cNvPicPr/>
-                      <p:nvPr/>
-                    </p:nvPicPr>
-                    <p:blipFill>
-                      <a:blip r:embed="rId4"/>
-                      <a:stretch>
-                        <a:fillRect/>
-                      </a:stretch>
-                    </p:blipFill>
-                    <p:spPr>
-                      <a:xfrm>
-                        <a:off x="1524000" y="1780558"/>
-                        <a:ext cx="9144000" cy="3086100"/>
-                      </a:xfrm>
-                      <a:prstGeom prst="rect">
-                        <a:avLst/>
-                      </a:prstGeom>
-                    </p:spPr>
-                  </p:pic>
-                </p:oleObj>
-              </mc:Fallback>
-            </mc:AlternateContent>
-          </a:graphicData>
-        </a:graphic>
-      </p:graphicFrame>
-    </p:spTree>
-    <p:extLst>
-      <p:ext uri="{BB962C8B-B14F-4D97-AF65-F5344CB8AC3E}">
-        <p14:creationId xmlns:p14="http://schemas.microsoft.com/office/powerpoint/2010/main" val="2378338418"/>
-      </p:ext>
-    </p:extLst>
-  </p:cSld>
-  <p:clrMapOvr>
-    <a:masterClrMapping/>
-  </p:clrMapOvr>
-</p:sld>
-</file>
-
 <file path=ppt/slides/slide5.xml><?xml version="1.0" encoding="utf-8"?>
 <p:sld xmlns:a="http://schemas.openxmlformats.org/drawingml/2006/main" xmlns:r="http://schemas.openxmlformats.org/officeDocument/2006/relationships" xmlns:p="http://schemas.openxmlformats.org/presentationml/2006/main">
   <p:cSld>
@@ -4927,7 +5843,7 @@
           <p:cNvPr id="2" name="Title 1">
             <a:extLst>
               <a:ext uri="{FF2B5EF4-FFF2-40B4-BE49-F238E27FC236}">
-                <a16:creationId xmlns:a16="http://schemas.microsoft.com/office/drawing/2014/main" id="{61FF1D61-9B44-7C4D-8413-FC8B5BEFDF6D}"/>
+                <a16:creationId xmlns:a16="http://schemas.microsoft.com/office/drawing/2014/main" id="{969D78FD-7103-CB42-899E-A097FE526536}"/>
               </a:ext>
             </a:extLst>
           </p:cNvPr>
@@ -4940,489 +5856,61 @@
         </p:nvSpPr>
         <p:spPr/>
         <p:txBody>
-          <a:bodyPr/>
+          <a:bodyPr>
+            <a:normAutofit/>
+          </a:bodyPr>
           <a:lstStyle/>
           <a:p>
             <a:pPr algn="ctr"/>
             <a:r>
-              <a:rPr lang="zh-CN" altLang="en-AU" dirty="0">
-                <a:latin typeface="Kaiti SC" panose="02010600040101010101" pitchFamily="2" charset="-122"/>
-                <a:ea typeface="Kaiti SC" panose="02010600040101010101" pitchFamily="2" charset="-122"/>
-              </a:rPr>
-              <a:t>样本</a:t>
-            </a:r>
-            <a:r>
-              <a:rPr lang="zh-CN" altLang="en-US" dirty="0">
-                <a:latin typeface="Kaiti SC" panose="02010600040101010101" pitchFamily="2" charset="-122"/>
-                <a:ea typeface="Kaiti SC" panose="02010600040101010101" pitchFamily="2" charset="-122"/>
-              </a:rPr>
-              <a:t>计算公式</a:t>
-            </a:r>
-            <a:endParaRPr lang="en-US" dirty="0">
+              <a:rPr lang="zh-CN" altLang="en-US" sz="3600" b="1" u="sng" dirty="0">
+                <a:latin typeface="Kaiti SC" panose="02010600040101010101" pitchFamily="2" charset="-122"/>
+                <a:ea typeface="Kaiti SC" panose="02010600040101010101" pitchFamily="2" charset="-122"/>
+              </a:rPr>
+              <a:t>样本量估算的类型</a:t>
+            </a:r>
+            <a:endParaRPr lang="en-US" sz="3600" b="1" u="sng" dirty="0">
               <a:latin typeface="Kaiti SC" panose="02010600040101010101" pitchFamily="2" charset="-122"/>
               <a:ea typeface="Kaiti SC" panose="02010600040101010101" pitchFamily="2" charset="-122"/>
             </a:endParaRPr>
           </a:p>
         </p:txBody>
       </p:sp>
-      <p:sp>
-        <p:nvSpPr>
-          <p:cNvPr id="3" name="Content Placeholder 2">
-            <a:extLst>
-              <a:ext uri="{FF2B5EF4-FFF2-40B4-BE49-F238E27FC236}">
-                <a16:creationId xmlns:a16="http://schemas.microsoft.com/office/drawing/2014/main" id="{8F43211F-4528-FC40-AF80-E8B26D03657C}"/>
-              </a:ext>
-            </a:extLst>
-          </p:cNvPr>
-          <p:cNvSpPr>
-            <a:spLocks noGrp="1"/>
-          </p:cNvSpPr>
-          <p:nvPr>
-            <p:ph idx="1"/>
-          </p:nvPr>
-        </p:nvSpPr>
-        <p:spPr>
-          <a:xfrm>
-            <a:off x="838200" y="1825625"/>
-            <a:ext cx="10515600" cy="1190707"/>
-          </a:xfrm>
-        </p:spPr>
-        <p:txBody>
-          <a:bodyPr/>
-          <a:lstStyle/>
-          <a:p>
-            <a:r>
-              <a:rPr lang="zh-CN" altLang="en-US" dirty="0">
-                <a:latin typeface="Kaiti SC" panose="02010600040101010101" pitchFamily="2" charset="-122"/>
-                <a:ea typeface="Kaiti SC" panose="02010600040101010101" pitchFamily="2" charset="-122"/>
-              </a:rPr>
-              <a:t>对于已知样本信息，可以计算样本量</a:t>
-            </a:r>
-            <a:r>
-              <a:rPr lang="en-US" altLang="zh-CN" dirty="0">
-                <a:latin typeface="Kaiti SC" panose="02010600040101010101" pitchFamily="2" charset="-122"/>
-                <a:ea typeface="Kaiti SC" panose="02010600040101010101" pitchFamily="2" charset="-122"/>
-              </a:rPr>
-              <a:t>n</a:t>
-            </a:r>
-            <a:r>
-              <a:rPr lang="zh-CN" altLang="en-US" dirty="0">
-                <a:latin typeface="Kaiti SC" panose="02010600040101010101" pitchFamily="2" charset="-122"/>
-                <a:ea typeface="Kaiti SC" panose="02010600040101010101" pitchFamily="2" charset="-122"/>
-              </a:rPr>
-              <a:t>，已达到所需要的一类和二类错误</a:t>
-            </a:r>
-            <a:endParaRPr lang="en-AU" altLang="zh-CN" dirty="0">
-              <a:latin typeface="Kaiti SC" panose="02010600040101010101" pitchFamily="2" charset="-122"/>
-              <a:ea typeface="Kaiti SC" panose="02010600040101010101" pitchFamily="2" charset="-122"/>
-            </a:endParaRPr>
-          </a:p>
-          <a:p>
-            <a:pPr marL="0" indent="0">
-              <a:buNone/>
-            </a:pPr>
-            <a:endParaRPr lang="en-AU" altLang="zh-CN" dirty="0">
-              <a:latin typeface="Kaiti SC" panose="02010600040101010101" pitchFamily="2" charset="-122"/>
-              <a:ea typeface="Kaiti SC" panose="02010600040101010101" pitchFamily="2" charset="-122"/>
-            </a:endParaRPr>
-          </a:p>
-          <a:p>
-            <a:endParaRPr lang="en-US" dirty="0">
-              <a:latin typeface="Kaiti SC" panose="02010600040101010101" pitchFamily="2" charset="-122"/>
-              <a:ea typeface="Kaiti SC" panose="02010600040101010101" pitchFamily="2" charset="-122"/>
-            </a:endParaRPr>
-          </a:p>
-        </p:txBody>
-      </p:sp>
-      <mc:AlternateContent xmlns:mc="http://schemas.openxmlformats.org/markup-compatibility/2006" xmlns:a14="http://schemas.microsoft.com/office/drawing/2010/main">
-        <mc:Choice Requires="a14">
-          <p:sp>
-            <p:nvSpPr>
-              <p:cNvPr id="4" name="Rectangle 3">
-                <a:extLst>
-                  <a:ext uri="{FF2B5EF4-FFF2-40B4-BE49-F238E27FC236}">
-                    <a16:creationId xmlns:a16="http://schemas.microsoft.com/office/drawing/2014/main" id="{C098B175-CA2C-7645-93EA-EB2E4844DA25}"/>
-                  </a:ext>
-                </a:extLst>
-              </p:cNvPr>
-              <p:cNvSpPr/>
-              <p:nvPr/>
-            </p:nvSpPr>
-            <p:spPr>
-              <a:xfrm>
-                <a:off x="4422102" y="4246211"/>
-                <a:ext cx="2612062" cy="808683"/>
-              </a:xfrm>
-              <a:prstGeom prst="rect">
-                <a:avLst/>
-              </a:prstGeom>
-            </p:spPr>
-            <p:txBody>
-              <a:bodyPr wrap="none">
-                <a:spAutoFit/>
-              </a:bodyPr>
-              <a:lstStyle/>
-              <a:p>
-                <a:pPr/>
-                <a14:m>
-                  <m:oMathPara xmlns:m="http://schemas.openxmlformats.org/officeDocument/2006/math">
-                    <m:oMathParaPr>
-                      <m:jc m:val="centerGroup"/>
-                    </m:oMathParaPr>
-                    <m:oMath xmlns:m="http://schemas.openxmlformats.org/officeDocument/2006/math">
-                      <m:r>
-                        <a:rPr lang="en-US" i="1" smtClean="0">
-                          <a:latin typeface="Cambria Math" panose="02040503050406030204" pitchFamily="18" charset="0"/>
-                        </a:rPr>
-                        <m:t>𝑛</m:t>
-                      </m:r>
-                      <m:r>
-                        <a:rPr lang="en-US" i="0">
-                          <a:latin typeface="Cambria Math" panose="02040503050406030204" pitchFamily="18" charset="0"/>
-                        </a:rPr>
-                        <m:t>≥</m:t>
-                      </m:r>
-                      <m:f>
-                        <m:fPr>
-                          <m:ctrlPr>
-                            <a:rPr lang="en-US" i="1">
-                              <a:latin typeface="Cambria Math" panose="02040503050406030204" pitchFamily="18" charset="0"/>
-                            </a:rPr>
-                          </m:ctrlPr>
-                        </m:fPr>
-                        <m:num>
-                          <m:sSup>
-                            <m:sSupPr>
-                              <m:ctrlPr>
-                                <a:rPr lang="en-US" i="1">
-                                  <a:latin typeface="Cambria Math" panose="02040503050406030204" pitchFamily="18" charset="0"/>
-                                </a:rPr>
-                              </m:ctrlPr>
-                            </m:sSupPr>
-                            <m:e>
-                              <m:d>
-                                <m:dPr>
-                                  <m:ctrlPr>
-                                    <a:rPr lang="en-US" i="1">
-                                      <a:latin typeface="Cambria Math" panose="02040503050406030204" pitchFamily="18" charset="0"/>
-                                    </a:rPr>
-                                  </m:ctrlPr>
-                                </m:dPr>
-                                <m:e>
-                                  <m:sSub>
-                                    <m:sSubPr>
-                                      <m:ctrlPr>
-                                        <a:rPr lang="en-US" i="1">
-                                          <a:latin typeface="Cambria Math" panose="02040503050406030204" pitchFamily="18" charset="0"/>
-                                        </a:rPr>
-                                      </m:ctrlPr>
-                                    </m:sSubPr>
-                                    <m:e>
-                                      <m:r>
-                                        <a:rPr lang="en-US" i="1">
-                                          <a:latin typeface="Cambria Math" panose="02040503050406030204" pitchFamily="18" charset="0"/>
-                                        </a:rPr>
-                                        <m:t>𝜎</m:t>
-                                      </m:r>
-                                    </m:e>
-                                    <m:sub>
-                                      <m:r>
-                                        <a:rPr lang="en-US" i="0">
-                                          <a:latin typeface="Cambria Math" panose="02040503050406030204" pitchFamily="18" charset="0"/>
-                                        </a:rPr>
-                                        <m:t>1</m:t>
-                                      </m:r>
-                                    </m:sub>
-                                  </m:sSub>
-                                  <m:sSub>
-                                    <m:sSubPr>
-                                      <m:ctrlPr>
-                                        <a:rPr lang="en-US" i="1">
-                                          <a:latin typeface="Cambria Math" panose="02040503050406030204" pitchFamily="18" charset="0"/>
-                                        </a:rPr>
-                                      </m:ctrlPr>
-                                    </m:sSubPr>
-                                    <m:e>
-                                      <m:r>
-                                        <a:rPr lang="en-US" i="1">
-                                          <a:latin typeface="Cambria Math" panose="02040503050406030204" pitchFamily="18" charset="0"/>
-                                        </a:rPr>
-                                        <m:t>𝑧</m:t>
-                                      </m:r>
-                                    </m:e>
-                                    <m:sub>
-                                      <m:r>
-                                        <a:rPr lang="en-US" i="0">
-                                          <a:latin typeface="Cambria Math" panose="02040503050406030204" pitchFamily="18" charset="0"/>
-                                        </a:rPr>
-                                        <m:t>1−</m:t>
-                                      </m:r>
-                                      <m:r>
-                                        <a:rPr lang="en-US" i="1">
-                                          <a:latin typeface="Cambria Math" panose="02040503050406030204" pitchFamily="18" charset="0"/>
-                                        </a:rPr>
-                                        <m:t>𝛽</m:t>
-                                      </m:r>
-                                    </m:sub>
-                                  </m:sSub>
-                                  <m:r>
-                                    <a:rPr lang="en-AU" b="0" i="0" smtClean="0">
-                                      <a:latin typeface="Cambria Math" panose="02040503050406030204" pitchFamily="18" charset="0"/>
-                                    </a:rPr>
-                                    <m:t>+</m:t>
-                                  </m:r>
-                                  <m:sSub>
-                                    <m:sSubPr>
-                                      <m:ctrlPr>
-                                        <a:rPr lang="en-US" i="1">
-                                          <a:latin typeface="Cambria Math" panose="02040503050406030204" pitchFamily="18" charset="0"/>
-                                        </a:rPr>
-                                      </m:ctrlPr>
-                                    </m:sSubPr>
-                                    <m:e>
-                                      <m:r>
-                                        <a:rPr lang="en-US" i="1">
-                                          <a:latin typeface="Cambria Math" panose="02040503050406030204" pitchFamily="18" charset="0"/>
-                                        </a:rPr>
-                                        <m:t>𝜎</m:t>
-                                      </m:r>
-                                    </m:e>
-                                    <m:sub>
-                                      <m:r>
-                                        <a:rPr lang="en-US" i="0">
-                                          <a:latin typeface="Cambria Math" panose="02040503050406030204" pitchFamily="18" charset="0"/>
-                                        </a:rPr>
-                                        <m:t>0</m:t>
-                                      </m:r>
-                                    </m:sub>
-                                  </m:sSub>
-                                  <m:sSub>
-                                    <m:sSubPr>
-                                      <m:ctrlPr>
-                                        <a:rPr lang="en-US" i="1">
-                                          <a:latin typeface="Cambria Math" panose="02040503050406030204" pitchFamily="18" charset="0"/>
-                                        </a:rPr>
-                                      </m:ctrlPr>
-                                    </m:sSubPr>
-                                    <m:e>
-                                      <m:r>
-                                        <a:rPr lang="en-US" i="1">
-                                          <a:latin typeface="Cambria Math" panose="02040503050406030204" pitchFamily="18" charset="0"/>
-                                        </a:rPr>
-                                        <m:t>𝑧</m:t>
-                                      </m:r>
-                                    </m:e>
-                                    <m:sub>
-                                      <m:r>
-                                        <a:rPr lang="en-AU" b="0" i="1" smtClean="0">
-                                          <a:latin typeface="Cambria Math" panose="02040503050406030204" pitchFamily="18" charset="0"/>
-                                        </a:rPr>
-                                        <m:t>1−</m:t>
-                                      </m:r>
-                                      <m:r>
-                                        <a:rPr lang="en-US" i="1">
-                                          <a:latin typeface="Cambria Math" panose="02040503050406030204" pitchFamily="18" charset="0"/>
-                                        </a:rPr>
-                                        <m:t>𝛼</m:t>
-                                      </m:r>
-                                    </m:sub>
-                                  </m:sSub>
-                                </m:e>
-                              </m:d>
-                            </m:e>
-                            <m:sup>
-                              <m:r>
-                                <a:rPr lang="en-US" i="0">
-                                  <a:latin typeface="Cambria Math" panose="02040503050406030204" pitchFamily="18" charset="0"/>
-                                </a:rPr>
-                                <m:t>2</m:t>
-                              </m:r>
-                            </m:sup>
-                          </m:sSup>
-                        </m:num>
-                        <m:den>
-                          <m:sSub>
-                            <m:sSubPr>
-                              <m:ctrlPr>
-                                <a:rPr lang="en-US" i="1">
-                                  <a:latin typeface="Cambria Math" panose="02040503050406030204" pitchFamily="18" charset="0"/>
-                                </a:rPr>
-                              </m:ctrlPr>
-                            </m:sSubPr>
-                            <m:e>
-                              <m:d>
-                                <m:dPr>
-                                  <m:endChr m:val=""/>
-                                  <m:ctrlPr>
-                                    <a:rPr lang="en-US" i="1">
-                                      <a:latin typeface="Cambria Math" panose="02040503050406030204" pitchFamily="18" charset="0"/>
-                                    </a:rPr>
-                                  </m:ctrlPr>
-                                </m:dPr>
-                                <m:e>
-                                  <m:r>
-                                    <a:rPr lang="en-US" i="1">
-                                      <a:latin typeface="Cambria Math" panose="02040503050406030204" pitchFamily="18" charset="0"/>
-                                    </a:rPr>
-                                    <m:t>𝜇</m:t>
-                                  </m:r>
-                                </m:e>
-                              </m:d>
-                            </m:e>
-                            <m:sub>
-                              <m:r>
-                                <a:rPr lang="en-US" i="0">
-                                  <a:latin typeface="Cambria Math" panose="02040503050406030204" pitchFamily="18" charset="0"/>
-                                </a:rPr>
-                                <m:t>0</m:t>
-                              </m:r>
-                            </m:sub>
-                          </m:sSub>
-                          <m:r>
-                            <a:rPr lang="en-US" i="0">
-                              <a:latin typeface="Cambria Math" panose="02040503050406030204" pitchFamily="18" charset="0"/>
-                            </a:rPr>
-                            <m:t>−</m:t>
-                          </m:r>
-                          <m:sSub>
-                            <m:sSubPr>
-                              <m:ctrlPr>
-                                <a:rPr lang="en-US" i="1">
-                                  <a:latin typeface="Cambria Math" panose="02040503050406030204" pitchFamily="18" charset="0"/>
-                                </a:rPr>
-                              </m:ctrlPr>
-                            </m:sSubPr>
-                            <m:e>
-                              <m:r>
-                                <a:rPr lang="en-US" i="1">
-                                  <a:latin typeface="Cambria Math" panose="02040503050406030204" pitchFamily="18" charset="0"/>
-                                </a:rPr>
-                                <m:t>𝜇</m:t>
-                              </m:r>
-                            </m:e>
-                            <m:sub>
-                              <m:r>
-                                <a:rPr lang="en-US" i="0">
-                                  <a:latin typeface="Cambria Math" panose="02040503050406030204" pitchFamily="18" charset="0"/>
-                                </a:rPr>
-                                <m:t>1</m:t>
-                              </m:r>
-                            </m:sub>
-                          </m:sSub>
-                          <m:sSup>
-                            <m:sSupPr>
-                              <m:ctrlPr>
-                                <a:rPr lang="en-US" i="1">
-                                  <a:latin typeface="Cambria Math" panose="02040503050406030204" pitchFamily="18" charset="0"/>
-                                </a:rPr>
-                              </m:ctrlPr>
-                            </m:sSupPr>
-                            <m:e>
-                              <m:r>
-                                <a:rPr lang="en-AU" b="0" i="1" smtClean="0">
-                                  <a:latin typeface="Cambria Math" panose="02040503050406030204" pitchFamily="18" charset="0"/>
-                                </a:rPr>
-                                <m:t>)</m:t>
-                              </m:r>
-                            </m:e>
-                            <m:sup>
-                              <m:r>
-                                <a:rPr lang="en-US" i="0">
-                                  <a:latin typeface="Cambria Math" panose="02040503050406030204" pitchFamily="18" charset="0"/>
-                                </a:rPr>
-                                <m:t>2</m:t>
-                              </m:r>
-                            </m:sup>
-                          </m:sSup>
-                        </m:den>
-                      </m:f>
-                    </m:oMath>
-                  </m:oMathPara>
-                </a14:m>
-                <a:endParaRPr lang="en-US" dirty="0"/>
-              </a:p>
-            </p:txBody>
-          </p:sp>
-        </mc:Choice>
-        <mc:Fallback xmlns="">
-          <p:sp>
-            <p:nvSpPr>
-              <p:cNvPr id="4" name="Rectangle 3">
-                <a:extLst>
-                  <a:ext uri="{FF2B5EF4-FFF2-40B4-BE49-F238E27FC236}">
-                    <a16:creationId xmlns:a16="http://schemas.microsoft.com/office/drawing/2014/main" id="{C098B175-CA2C-7645-93EA-EB2E4844DA25}"/>
-                  </a:ext>
-                </a:extLst>
-              </p:cNvPr>
-              <p:cNvSpPr>
-                <a:spLocks noRot="1" noChangeAspect="1" noMove="1" noResize="1" noEditPoints="1" noAdjustHandles="1" noChangeArrowheads="1" noChangeShapeType="1" noTextEdit="1"/>
-              </p:cNvSpPr>
-              <p:nvPr/>
-            </p:nvSpPr>
-            <p:spPr>
-              <a:xfrm>
-                <a:off x="4422102" y="4246211"/>
-                <a:ext cx="2612062" cy="808683"/>
-              </a:xfrm>
-              <a:prstGeom prst="rect">
-                <a:avLst/>
-              </a:prstGeom>
-              <a:blipFill>
-                <a:blip r:embed="rId3"/>
-                <a:stretch>
-                  <a:fillRect t="-3077" b="-80000"/>
-                </a:stretch>
-              </a:blipFill>
-            </p:spPr>
-            <p:txBody>
-              <a:bodyPr/>
-              <a:lstStyle/>
-              <a:p>
-                <a:r>
-                  <a:rPr lang="en-US">
-                    <a:noFill/>
-                  </a:rPr>
-                  <a:t> </a:t>
-                </a:r>
-              </a:p>
-            </p:txBody>
-          </p:sp>
-        </mc:Fallback>
-      </mc:AlternateContent>
       <p:graphicFrame>
         <p:nvGraphicFramePr>
-          <p:cNvPr id="6" name="Object 5">
-            <a:extLst>
-              <a:ext uri="{FF2B5EF4-FFF2-40B4-BE49-F238E27FC236}">
-                <a16:creationId xmlns:a16="http://schemas.microsoft.com/office/drawing/2014/main" id="{8E26E430-0BF1-FF4B-97FA-AAC1C8D2139E}"/>
+          <p:cNvPr id="4" name="Content Placeholder 3">
+            <a:extLst>
+              <a:ext uri="{FF2B5EF4-FFF2-40B4-BE49-F238E27FC236}">
+                <a16:creationId xmlns:a16="http://schemas.microsoft.com/office/drawing/2014/main" id="{00742067-59AF-7246-BE59-10E6927DB0BF}"/>
               </a:ext>
             </a:extLst>
           </p:cNvPr>
           <p:cNvGraphicFramePr>
-            <a:graphicFrameLocks noChangeAspect="1"/>
+            <a:graphicFrameLocks noGrp="1" noChangeAspect="1"/>
           </p:cNvGraphicFramePr>
           <p:nvPr>
+            <p:ph idx="1"/>
             <p:extLst>
               <p:ext uri="{D42A27DB-BD31-4B8C-83A1-F6EECF244321}">
-                <p14:modId xmlns:p14="http://schemas.microsoft.com/office/powerpoint/2010/main" val="2928248653"/>
+                <p14:modId xmlns:p14="http://schemas.microsoft.com/office/powerpoint/2010/main" val="414695847"/>
               </p:ext>
             </p:extLst>
           </p:nvPr>
         </p:nvGraphicFramePr>
         <p:xfrm>
-          <a:off x="1524000" y="2735263"/>
-          <a:ext cx="9144000" cy="1384300"/>
+          <a:off x="1627934" y="1702997"/>
+          <a:ext cx="9144000" cy="2933700"/>
         </p:xfrm>
         <a:graphic>
           <a:graphicData uri="http://schemas.openxmlformats.org/presentationml/2006/ole">
             <mc:AlternateContent xmlns:mc="http://schemas.openxmlformats.org/markup-compatibility/2006">
               <mc:Choice xmlns:v="urn:schemas-microsoft-com:vml" Requires="v">
-                <p:oleObj spid="_x0000_s2057" name="Document" r:id="rId4" imgW="9144000" imgH="1384300" progId="Word.Document.12">
+                <p:oleObj spid="_x0000_s4174" name="Document" r:id="rId3" imgW="9144000" imgH="2933700" progId="Word.Document.12">
                   <p:embed/>
                 </p:oleObj>
               </mc:Choice>
               <mc:Fallback>
-                <p:oleObj name="Document" r:id="rId4" imgW="9144000" imgH="1384300" progId="Word.Document.12">
+                <p:oleObj name="Document" r:id="rId3" imgW="9144000" imgH="2933700" progId="Word.Document.12">
                   <p:embed/>
                   <p:pic>
                     <p:nvPicPr>
@@ -5431,14 +5919,83 @@
                       <p:nvPr/>
                     </p:nvPicPr>
                     <p:blipFill>
-                      <a:blip r:embed="rId5"/>
+                      <a:blip r:embed="rId4"/>
                       <a:stretch>
                         <a:fillRect/>
                       </a:stretch>
                     </p:blipFill>
                     <p:spPr>
                       <a:xfrm>
-                        <a:off x="1524000" y="2735263"/>
+                        <a:off x="1627934" y="1702997"/>
+                        <a:ext cx="9144000" cy="2933700"/>
+                      </a:xfrm>
+                      <a:prstGeom prst="rect">
+                        <a:avLst/>
+                      </a:prstGeom>
+                    </p:spPr>
+                  </p:pic>
+                </p:oleObj>
+              </mc:Fallback>
+            </mc:AlternateContent>
+          </a:graphicData>
+        </a:graphic>
+      </p:graphicFrame>
+      <p:graphicFrame>
+        <p:nvGraphicFramePr>
+          <p:cNvPr id="5" name="Object 4">
+            <a:extLst>
+              <a:ext uri="{FF2B5EF4-FFF2-40B4-BE49-F238E27FC236}">
+                <a16:creationId xmlns:a16="http://schemas.microsoft.com/office/drawing/2014/main" id="{134600F6-F192-4141-B772-FB7305BCE96C}"/>
+              </a:ext>
+            </a:extLst>
+          </p:cNvPr>
+          <p:cNvGraphicFramePr>
+            <a:graphicFrameLocks noChangeAspect="1"/>
+          </p:cNvGraphicFramePr>
+          <p:nvPr>
+            <p:extLst>
+              <p:ext uri="{D42A27DB-BD31-4B8C-83A1-F6EECF244321}">
+                <p14:modId xmlns:p14="http://schemas.microsoft.com/office/powerpoint/2010/main" val="1286250340"/>
+              </p:ext>
+            </p:extLst>
+          </p:nvPr>
+        </p:nvGraphicFramePr>
+        <p:xfrm>
+          <a:off x="1524000" y="4754067"/>
+          <a:ext cx="9144000" cy="1384300"/>
+        </p:xfrm>
+        <a:graphic>
+          <a:graphicData uri="http://schemas.openxmlformats.org/presentationml/2006/ole">
+            <mc:AlternateContent xmlns:mc="http://schemas.openxmlformats.org/markup-compatibility/2006">
+              <mc:Choice xmlns:v="urn:schemas-microsoft-com:vml" Requires="v">
+                <p:oleObj spid="_x0000_s4175" name="Document" r:id="rId5" imgW="9144000" imgH="1384300" progId="Word.Document.12">
+                  <p:embed/>
+                </p:oleObj>
+              </mc:Choice>
+              <mc:Fallback>
+                <p:oleObj name="Document" r:id="rId5" imgW="9144000" imgH="1384300" progId="Word.Document.12">
+                  <p:embed/>
+                  <p:pic>
+                    <p:nvPicPr>
+                      <p:cNvPr id="6" name="Object 5">
+                        <a:extLst>
+                          <a:ext uri="{FF2B5EF4-FFF2-40B4-BE49-F238E27FC236}">
+                            <a16:creationId xmlns:a16="http://schemas.microsoft.com/office/drawing/2014/main" id="{8E26E430-0BF1-FF4B-97FA-AAC1C8D2139E}"/>
+                          </a:ext>
+                        </a:extLst>
+                      </p:cNvPr>
+                      <p:cNvPicPr/>
+                      <p:nvPr/>
+                    </p:nvPicPr>
+                    <p:blipFill>
+                      <a:blip r:embed="rId6"/>
+                      <a:stretch>
+                        <a:fillRect/>
+                      </a:stretch>
+                    </p:blipFill>
+                    <p:spPr>
+                      <a:xfrm>
+                        <a:off x="1524000" y="4754067"/>
                         <a:ext cx="9144000" cy="1384300"/>
                       </a:xfrm>
                       <a:prstGeom prst="rect">
@@ -5452,10 +6009,319 @@
           </a:graphicData>
         </a:graphic>
       </p:graphicFrame>
+      <p:graphicFrame>
+        <p:nvGraphicFramePr>
+          <p:cNvPr id="6" name="Table 5">
+            <a:extLst>
+              <a:ext uri="{FF2B5EF4-FFF2-40B4-BE49-F238E27FC236}">
+                <a16:creationId xmlns:a16="http://schemas.microsoft.com/office/drawing/2014/main" id="{22F4082D-B441-DD46-BBEF-D053052D6BBC}"/>
+              </a:ext>
+            </a:extLst>
+          </p:cNvPr>
+          <p:cNvGraphicFramePr>
+            <a:graphicFrameLocks noGrp="1"/>
+          </p:cNvGraphicFramePr>
+          <p:nvPr>
+            <p:extLst>
+              <p:ext uri="{D42A27DB-BD31-4B8C-83A1-F6EECF244321}">
+                <p14:modId xmlns:p14="http://schemas.microsoft.com/office/powerpoint/2010/main" val="4170801980"/>
+              </p:ext>
+            </p:extLst>
+          </p:nvPr>
+        </p:nvGraphicFramePr>
+        <p:xfrm>
+          <a:off x="4215742" y="4543513"/>
+          <a:ext cx="6169892" cy="1483360"/>
+        </p:xfrm>
+        <a:graphic>
+          <a:graphicData uri="http://schemas.openxmlformats.org/drawingml/2006/table">
+            <a:tbl>
+              <a:tblPr firstRow="1" bandRow="1">
+                <a:tableStyleId>{5C22544A-7EE6-4342-B048-85BDC9FD1C3A}</a:tableStyleId>
+              </a:tblPr>
+              <a:tblGrid>
+                <a:gridCol w="1542473">
+                  <a:extLst>
+                    <a:ext uri="{9D8B030D-6E8A-4147-A177-3AD203B41FA5}">
+                      <a16:colId xmlns:a16="http://schemas.microsoft.com/office/drawing/2014/main" val="3836919645"/>
+                    </a:ext>
+                  </a:extLst>
+                </a:gridCol>
+                <a:gridCol w="1542473">
+                  <a:extLst>
+                    <a:ext uri="{9D8B030D-6E8A-4147-A177-3AD203B41FA5}">
+                      <a16:colId xmlns:a16="http://schemas.microsoft.com/office/drawing/2014/main" val="909905730"/>
+                    </a:ext>
+                  </a:extLst>
+                </a:gridCol>
+                <a:gridCol w="1542473">
+                  <a:extLst>
+                    <a:ext uri="{9D8B030D-6E8A-4147-A177-3AD203B41FA5}">
+                      <a16:colId xmlns:a16="http://schemas.microsoft.com/office/drawing/2014/main" val="392144006"/>
+                    </a:ext>
+                  </a:extLst>
+                </a:gridCol>
+                <a:gridCol w="1542473">
+                  <a:extLst>
+                    <a:ext uri="{9D8B030D-6E8A-4147-A177-3AD203B41FA5}">
+                      <a16:colId xmlns:a16="http://schemas.microsoft.com/office/drawing/2014/main" val="1542038943"/>
+                    </a:ext>
+                  </a:extLst>
+                </a:gridCol>
+              </a:tblGrid>
+              <a:tr h="370840">
+                <a:tc>
+                  <a:txBody>
+                    <a:bodyPr/>
+                    <a:lstStyle/>
+                    <a:p>
+                      <a:endParaRPr lang="en-US" dirty="0"/>
+                    </a:p>
+                  </a:txBody>
+                  <a:tcPr/>
+                </a:tc>
+                <a:tc>
+                  <a:txBody>
+                    <a:bodyPr/>
+                    <a:lstStyle/>
+                    <a:p>
+                      <a:endParaRPr lang="en-US"/>
+                    </a:p>
+                  </a:txBody>
+                  <a:tcPr/>
+                </a:tc>
+                <a:tc gridSpan="2">
+                  <a:txBody>
+                    <a:bodyPr/>
+                    <a:lstStyle/>
+                    <a:p>
+                      <a:pPr algn="ctr"/>
+                      <a:r>
+                        <a:rPr lang="en-US" dirty="0"/>
+                        <a:t>Decision</a:t>
+                      </a:r>
+                    </a:p>
+                  </a:txBody>
+                  <a:tcPr/>
+                </a:tc>
+                <a:tc hMerge="1">
+                  <a:txBody>
+                    <a:bodyPr/>
+                    <a:lstStyle/>
+                    <a:p>
+                      <a:endParaRPr lang="en-US" dirty="0"/>
+                    </a:p>
+                  </a:txBody>
+                  <a:tcPr/>
+                </a:tc>
+                <a:extLst>
+                  <a:ext uri="{0D108BD9-81ED-4DB2-BD59-A6C34878D82A}">
+                    <a16:rowId xmlns:a16="http://schemas.microsoft.com/office/drawing/2014/main" val="3818819767"/>
+                  </a:ext>
+                </a:extLst>
+              </a:tr>
+              <a:tr h="370840">
+                <a:tc>
+                  <a:txBody>
+                    <a:bodyPr/>
+                    <a:lstStyle/>
+                    <a:p>
+                      <a:endParaRPr lang="en-US"/>
+                    </a:p>
+                  </a:txBody>
+                  <a:tcPr/>
+                </a:tc>
+                <a:tc>
+                  <a:txBody>
+                    <a:bodyPr/>
+                    <a:lstStyle/>
+                    <a:p>
+                      <a:endParaRPr lang="en-US"/>
+                    </a:p>
+                  </a:txBody>
+                  <a:tcPr/>
+                </a:tc>
+                <a:tc>
+                  <a:txBody>
+                    <a:bodyPr/>
+                    <a:lstStyle/>
+                    <a:p>
+                      <a:pPr algn="ctr"/>
+                      <a:r>
+                        <a:rPr lang="en-US" dirty="0"/>
+                        <a:t>Accept </a:t>
+                      </a:r>
+                      <a:r>
+                        <a:rPr lang="en-US" i="1" dirty="0"/>
+                        <a:t>H</a:t>
+                      </a:r>
+                      <a:r>
+                        <a:rPr lang="en-US" i="1" baseline="-25000" dirty="0"/>
+                        <a:t>0</a:t>
+                      </a:r>
+                    </a:p>
+                  </a:txBody>
+                  <a:tcPr/>
+                </a:tc>
+                <a:tc>
+                  <a:txBody>
+                    <a:bodyPr/>
+                    <a:lstStyle/>
+                    <a:p>
+                      <a:pPr algn="ctr"/>
+                      <a:r>
+                        <a:rPr lang="en-US" dirty="0"/>
+                        <a:t>Reject </a:t>
+                      </a:r>
+                      <a:r>
+                        <a:rPr lang="en-US" i="1" dirty="0"/>
+                        <a:t>H</a:t>
+                      </a:r>
+                      <a:r>
+                        <a:rPr lang="en-US" i="1" baseline="-25000" dirty="0"/>
+                        <a:t>0</a:t>
+                      </a:r>
+                    </a:p>
+                  </a:txBody>
+                  <a:tcPr/>
+                </a:tc>
+                <a:extLst>
+                  <a:ext uri="{0D108BD9-81ED-4DB2-BD59-A6C34878D82A}">
+                    <a16:rowId xmlns:a16="http://schemas.microsoft.com/office/drawing/2014/main" val="2780935585"/>
+                  </a:ext>
+                </a:extLst>
+              </a:tr>
+              <a:tr h="370840">
+                <a:tc rowSpan="2">
+                  <a:txBody>
+                    <a:bodyPr/>
+                    <a:lstStyle/>
+                    <a:p>
+                      <a:r>
+                        <a:rPr lang="en-US" dirty="0"/>
+                        <a:t>Truth</a:t>
+                      </a:r>
+                    </a:p>
+                  </a:txBody>
+                  <a:tcPr/>
+                </a:tc>
+                <a:tc>
+                  <a:txBody>
+                    <a:bodyPr/>
+                    <a:lstStyle/>
+                    <a:p>
+                      <a:r>
+                        <a:rPr lang="en-US" i="1" dirty="0"/>
+                        <a:t>H</a:t>
+                      </a:r>
+                      <a:r>
+                        <a:rPr lang="en-US" i="1" baseline="-25000" dirty="0"/>
+                        <a:t>0</a:t>
+                      </a:r>
+                    </a:p>
+                  </a:txBody>
+                  <a:tcPr/>
+                </a:tc>
+                <a:tc>
+                  <a:txBody>
+                    <a:bodyPr/>
+                    <a:lstStyle/>
+                    <a:p>
+                      <a:r>
+                        <a:rPr lang="en-US" dirty="0"/>
+                        <a:t>Correct</a:t>
+                      </a:r>
+                    </a:p>
+                  </a:txBody>
+                  <a:tcPr/>
+                </a:tc>
+                <a:tc>
+                  <a:txBody>
+                    <a:bodyPr/>
+                    <a:lstStyle/>
+                    <a:p>
+                      <a:r>
+                        <a:rPr lang="en-US" dirty="0"/>
+                        <a:t>Type I error</a:t>
+                      </a:r>
+                    </a:p>
+                  </a:txBody>
+                  <a:tcPr/>
+                </a:tc>
+                <a:extLst>
+                  <a:ext uri="{0D108BD9-81ED-4DB2-BD59-A6C34878D82A}">
+                    <a16:rowId xmlns:a16="http://schemas.microsoft.com/office/drawing/2014/main" val="1784134598"/>
+                  </a:ext>
+                </a:extLst>
+              </a:tr>
+              <a:tr h="370840">
+                <a:tc vMerge="1">
+                  <a:txBody>
+                    <a:bodyPr/>
+                    <a:lstStyle/>
+                    <a:p>
+                      <a:endParaRPr lang="en-US" dirty="0"/>
+                    </a:p>
+                  </a:txBody>
+                  <a:tcPr/>
+                </a:tc>
+                <a:tc>
+                  <a:txBody>
+                    <a:bodyPr/>
+                    <a:lstStyle/>
+                    <a:p>
+                      <a:r>
+                        <a:rPr lang="en-US" i="1" dirty="0"/>
+                        <a:t>H</a:t>
+                      </a:r>
+                      <a:r>
+                        <a:rPr lang="en-US" i="1" baseline="-25000" dirty="0"/>
+                        <a:t>1</a:t>
+                      </a:r>
+                    </a:p>
+                  </a:txBody>
+                  <a:tcPr/>
+                </a:tc>
+                <a:tc>
+                  <a:txBody>
+                    <a:bodyPr/>
+                    <a:lstStyle/>
+                    <a:p>
+                      <a:r>
+                        <a:rPr lang="en-US" dirty="0"/>
+                        <a:t>Type II error</a:t>
+                      </a:r>
+                    </a:p>
+                  </a:txBody>
+                  <a:tcPr/>
+                </a:tc>
+                <a:tc>
+                  <a:txBody>
+                    <a:bodyPr/>
+                    <a:lstStyle/>
+                    <a:p>
+                      <a:r>
+                        <a:rPr lang="en-US" dirty="0"/>
+                        <a:t>Correct</a:t>
+                      </a:r>
+                    </a:p>
+                  </a:txBody>
+                  <a:tcPr/>
+                </a:tc>
+                <a:extLst>
+                  <a:ext uri="{0D108BD9-81ED-4DB2-BD59-A6C34878D82A}">
+                    <a16:rowId xmlns:a16="http://schemas.microsoft.com/office/drawing/2014/main" val="583894455"/>
+                  </a:ext>
+                </a:extLst>
+              </a:tr>
+            </a:tbl>
+          </a:graphicData>
+        </a:graphic>
+      </p:graphicFrame>
     </p:spTree>
     <p:extLst>
       <p:ext uri="{BB962C8B-B14F-4D97-AF65-F5344CB8AC3E}">
-        <p14:creationId xmlns:p14="http://schemas.microsoft.com/office/powerpoint/2010/main" val="2480963975"/>
+        <p14:creationId xmlns:p14="http://schemas.microsoft.com/office/powerpoint/2010/main" val="2378338418"/>
       </p:ext>
     </p:extLst>
   </p:cSld>
@@ -5482,156 +6348,12 @@
           <a:chExt cx="0" cy="0"/>
         </a:xfrm>
       </p:grpSpPr>
-      <p:sp>
-        <p:nvSpPr>
-          <p:cNvPr id="2" name="Title 1">
-            <a:extLst>
-              <a:ext uri="{FF2B5EF4-FFF2-40B4-BE49-F238E27FC236}">
-                <a16:creationId xmlns:a16="http://schemas.microsoft.com/office/drawing/2014/main" id="{E35E8110-6518-CC4E-9083-8642222B28BF}"/>
-              </a:ext>
-            </a:extLst>
-          </p:cNvPr>
-          <p:cNvSpPr>
-            <a:spLocks noGrp="1"/>
-          </p:cNvSpPr>
-          <p:nvPr>
-            <p:ph type="title"/>
-          </p:nvPr>
-        </p:nvSpPr>
-        <p:spPr/>
-        <p:txBody>
-          <a:bodyPr/>
-          <a:lstStyle/>
-          <a:p>
-            <a:r>
-              <a:rPr lang="zh-CN" altLang="en-US" dirty="0">
-                <a:latin typeface="Kaiti SC" panose="02010600040101010101" pitchFamily="2" charset="-122"/>
-                <a:ea typeface="Kaiti SC" panose="02010600040101010101" pitchFamily="2" charset="-122"/>
-              </a:rPr>
-              <a:t>实例分析</a:t>
-            </a:r>
-            <a:endParaRPr lang="en-US" dirty="0">
-              <a:latin typeface="Kaiti SC" panose="02010600040101010101" pitchFamily="2" charset="-122"/>
-              <a:ea typeface="Kaiti SC" panose="02010600040101010101" pitchFamily="2" charset="-122"/>
-            </a:endParaRPr>
-          </a:p>
-        </p:txBody>
-      </p:sp>
-      <p:sp>
-        <p:nvSpPr>
-          <p:cNvPr id="3" name="Content Placeholder 2">
-            <a:extLst>
-              <a:ext uri="{FF2B5EF4-FFF2-40B4-BE49-F238E27FC236}">
-                <a16:creationId xmlns:a16="http://schemas.microsoft.com/office/drawing/2014/main" id="{445612F0-03CF-AD40-BC1F-93D69D94C80E}"/>
-              </a:ext>
-            </a:extLst>
-          </p:cNvPr>
-          <p:cNvSpPr>
-            <a:spLocks noGrp="1"/>
-          </p:cNvSpPr>
-          <p:nvPr>
-            <p:ph idx="1"/>
-          </p:nvPr>
-        </p:nvSpPr>
-        <p:spPr>
-          <a:xfrm>
-            <a:off x="838200" y="2407515"/>
-            <a:ext cx="4386943" cy="4351338"/>
-          </a:xfrm>
-        </p:spPr>
-        <p:txBody>
-          <a:bodyPr/>
-          <a:lstStyle/>
-          <a:p>
-            <a:r>
-              <a:rPr lang="zh-CN" altLang="en-US" dirty="0">
-                <a:solidFill>
-                  <a:srgbClr val="FF0000"/>
-                </a:solidFill>
-                <a:latin typeface="Kaiti SC" panose="02010600040101010101" pitchFamily="2" charset="-122"/>
-                <a:ea typeface="Kaiti SC" panose="02010600040101010101" pitchFamily="2" charset="-122"/>
-              </a:rPr>
-              <a:t>中国</a:t>
-            </a:r>
-            <a:r>
-              <a:rPr lang="zh-CN" altLang="en-US" dirty="0">
-                <a:latin typeface="Kaiti SC" panose="02010600040101010101" pitchFamily="2" charset="-122"/>
-                <a:ea typeface="Kaiti SC" panose="02010600040101010101" pitchFamily="2" charset="-122"/>
-              </a:rPr>
-              <a:t>男性平均身高</a:t>
-            </a:r>
-            <a:r>
-              <a:rPr lang="en-US" altLang="zh-CN" dirty="0">
-                <a:latin typeface="Kaiti SC" panose="02010600040101010101" pitchFamily="2" charset="-122"/>
-                <a:ea typeface="Kaiti SC" panose="02010600040101010101" pitchFamily="2" charset="-122"/>
-              </a:rPr>
-              <a:t>1.7m</a:t>
-            </a:r>
-          </a:p>
-          <a:p>
-            <a:r>
-              <a:rPr lang="zh-CN" altLang="en-US" dirty="0">
-                <a:solidFill>
-                  <a:schemeClr val="accent1"/>
-                </a:solidFill>
-                <a:latin typeface="Kaiti SC" panose="02010600040101010101" pitchFamily="2" charset="-122"/>
-                <a:ea typeface="Kaiti SC" panose="02010600040101010101" pitchFamily="2" charset="-122"/>
-              </a:rPr>
-              <a:t>日本</a:t>
-            </a:r>
-            <a:r>
-              <a:rPr lang="zh-CN" altLang="en-US" dirty="0">
-                <a:latin typeface="Kaiti SC" panose="02010600040101010101" pitchFamily="2" charset="-122"/>
-                <a:ea typeface="Kaiti SC" panose="02010600040101010101" pitchFamily="2" charset="-122"/>
-              </a:rPr>
-              <a:t>男性平均身高</a:t>
-            </a:r>
-            <a:r>
-              <a:rPr lang="en-AU" altLang="zh-CN" dirty="0">
-                <a:latin typeface="Kaiti SC" panose="02010600040101010101" pitchFamily="2" charset="-122"/>
-                <a:ea typeface="Kaiti SC" panose="02010600040101010101" pitchFamily="2" charset="-122"/>
-              </a:rPr>
-              <a:t>1.74m</a:t>
-            </a:r>
-          </a:p>
-          <a:p>
-            <a:r>
-              <a:rPr lang="zh-CN" altLang="en-AU" dirty="0">
-                <a:solidFill>
-                  <a:schemeClr val="accent2"/>
-                </a:solidFill>
-                <a:latin typeface="Kaiti SC" panose="02010600040101010101" pitchFamily="2" charset="-122"/>
-                <a:ea typeface="Kaiti SC" panose="02010600040101010101" pitchFamily="2" charset="-122"/>
-              </a:rPr>
-              <a:t>荷兰</a:t>
-            </a:r>
-            <a:r>
-              <a:rPr lang="zh-CN" altLang="en-US" dirty="0">
-                <a:latin typeface="Kaiti SC" panose="02010600040101010101" pitchFamily="2" charset="-122"/>
-                <a:ea typeface="Kaiti SC" panose="02010600040101010101" pitchFamily="2" charset="-122"/>
-              </a:rPr>
-              <a:t>男性平均身高</a:t>
-            </a:r>
-            <a:r>
-              <a:rPr lang="en-AU" altLang="zh-CN" dirty="0">
-                <a:latin typeface="Kaiti SC" panose="02010600040101010101" pitchFamily="2" charset="-122"/>
-                <a:ea typeface="Kaiti SC" panose="02010600040101010101" pitchFamily="2" charset="-122"/>
-              </a:rPr>
-              <a:t>1.84m</a:t>
-            </a:r>
-            <a:endParaRPr lang="en-US" dirty="0">
-              <a:latin typeface="Kaiti SC" panose="02010600040101010101" pitchFamily="2" charset="-122"/>
-              <a:ea typeface="Kaiti SC" panose="02010600040101010101" pitchFamily="2" charset="-122"/>
-            </a:endParaRPr>
-          </a:p>
-        </p:txBody>
-      </p:sp>
       <p:graphicFrame>
         <p:nvGraphicFramePr>
           <p:cNvPr id="4" name="Object 3">
             <a:extLst>
               <a:ext uri="{FF2B5EF4-FFF2-40B4-BE49-F238E27FC236}">
-                <a16:creationId xmlns:a16="http://schemas.microsoft.com/office/drawing/2014/main" id="{A2384AF1-ED8F-0941-951F-3637342952D3}"/>
+                <a16:creationId xmlns:a16="http://schemas.microsoft.com/office/drawing/2014/main" id="{FF913452-1CDD-AF4F-8CF6-672FA85DAB79}"/>
               </a:ext>
             </a:extLst>
           </p:cNvPr>
@@ -5641,25 +6363,25 @@
           <p:nvPr>
             <p:extLst>
               <p:ext uri="{D42A27DB-BD31-4B8C-83A1-F6EECF244321}">
-                <p14:modId xmlns:p14="http://schemas.microsoft.com/office/powerpoint/2010/main" val="1775638368"/>
+                <p14:modId xmlns:p14="http://schemas.microsoft.com/office/powerpoint/2010/main" val="2260167621"/>
               </p:ext>
             </p:extLst>
           </p:nvPr>
         </p:nvGraphicFramePr>
         <p:xfrm>
-          <a:off x="3649663" y="1344613"/>
-          <a:ext cx="9144000" cy="1600200"/>
+          <a:off x="1524000" y="680166"/>
+          <a:ext cx="9144000" cy="6159500"/>
         </p:xfrm>
         <a:graphic>
           <a:graphicData uri="http://schemas.openxmlformats.org/presentationml/2006/ole">
             <mc:AlternateContent xmlns:mc="http://schemas.openxmlformats.org/markup-compatibility/2006">
               <mc:Choice xmlns:v="urn:schemas-microsoft-com:vml" Requires="v">
-                <p:oleObj spid="_x0000_s3093" name="Document" r:id="rId3" imgW="9144000" imgH="1600200" progId="Word.Document.12">
+                <p:oleObj spid="_x0000_s13330" name="Document" r:id="rId3" imgW="9144000" imgH="6159500" progId="Word.Document.12">
                   <p:embed/>
                 </p:oleObj>
               </mc:Choice>
               <mc:Fallback>
-                <p:oleObj name="Document" r:id="rId3" imgW="9144000" imgH="1600200" progId="Word.Document.12">
+                <p:oleObj name="Document" r:id="rId3" imgW="9144000" imgH="6159500" progId="Word.Document.12">
                   <p:embed/>
                   <p:pic>
                     <p:nvPicPr>
@@ -5675,8 +6397,8 @@
                     </p:blipFill>
                     <p:spPr>
                       <a:xfrm>
-                        <a:off x="3649663" y="1344613"/>
-                        <a:ext cx="9144000" cy="1600200"/>
+                        <a:off x="1524000" y="680166"/>
+                        <a:ext cx="9144000" cy="6159500"/>
                       </a:xfrm>
                       <a:prstGeom prst="rect">
                         <a:avLst/>
@@ -5689,367 +6411,152 @@
           </a:graphicData>
         </a:graphic>
       </p:graphicFrame>
-      <mc:AlternateContent xmlns:mc="http://schemas.openxmlformats.org/markup-compatibility/2006" xmlns:a14="http://schemas.microsoft.com/office/drawing/2010/main">
-        <mc:Choice Requires="a14">
-          <p:sp>
-            <p:nvSpPr>
-              <p:cNvPr id="5" name="Rectangle 4">
-                <a:extLst>
-                  <a:ext uri="{FF2B5EF4-FFF2-40B4-BE49-F238E27FC236}">
-                    <a16:creationId xmlns:a16="http://schemas.microsoft.com/office/drawing/2014/main" id="{66530CB0-0B4B-BA41-B61C-4E566ADF0CB4}"/>
-                  </a:ext>
-                </a:extLst>
-              </p:cNvPr>
-              <p:cNvSpPr/>
-              <p:nvPr/>
-            </p:nvSpPr>
-            <p:spPr>
-              <a:xfrm>
-                <a:off x="4422102" y="600491"/>
-                <a:ext cx="2612062" cy="808683"/>
-              </a:xfrm>
-              <a:prstGeom prst="rect">
-                <a:avLst/>
-              </a:prstGeom>
-            </p:spPr>
-            <p:txBody>
-              <a:bodyPr wrap="none">
-                <a:spAutoFit/>
-              </a:bodyPr>
-              <a:lstStyle/>
-              <a:p>
-                <a:pPr/>
-                <a14:m>
-                  <m:oMathPara xmlns:m="http://schemas.openxmlformats.org/officeDocument/2006/math">
-                    <m:oMathParaPr>
-                      <m:jc m:val="centerGroup"/>
-                    </m:oMathParaPr>
-                    <m:oMath xmlns:m="http://schemas.openxmlformats.org/officeDocument/2006/math">
-                      <m:r>
-                        <a:rPr lang="en-US" i="1" smtClean="0">
-                          <a:latin typeface="Cambria Math" panose="02040503050406030204" pitchFamily="18" charset="0"/>
-                        </a:rPr>
-                        <m:t>𝑛</m:t>
-                      </m:r>
-                      <m:r>
-                        <a:rPr lang="en-US" i="0">
-                          <a:latin typeface="Cambria Math" panose="02040503050406030204" pitchFamily="18" charset="0"/>
-                        </a:rPr>
-                        <m:t>≥</m:t>
-                      </m:r>
-                      <m:f>
-                        <m:fPr>
-                          <m:ctrlPr>
-                            <a:rPr lang="en-US" i="1">
-                              <a:latin typeface="Cambria Math" panose="02040503050406030204" pitchFamily="18" charset="0"/>
-                            </a:rPr>
-                          </m:ctrlPr>
-                        </m:fPr>
-                        <m:num>
-                          <m:sSup>
-                            <m:sSupPr>
-                              <m:ctrlPr>
-                                <a:rPr lang="en-US" i="1">
-                                  <a:latin typeface="Cambria Math" panose="02040503050406030204" pitchFamily="18" charset="0"/>
-                                </a:rPr>
-                              </m:ctrlPr>
-                            </m:sSupPr>
-                            <m:e>
-                              <m:d>
-                                <m:dPr>
-                                  <m:ctrlPr>
-                                    <a:rPr lang="en-US" i="1">
-                                      <a:latin typeface="Cambria Math" panose="02040503050406030204" pitchFamily="18" charset="0"/>
-                                    </a:rPr>
-                                  </m:ctrlPr>
-                                </m:dPr>
-                                <m:e>
-                                  <m:sSub>
-                                    <m:sSubPr>
-                                      <m:ctrlPr>
-                                        <a:rPr lang="en-US" i="1">
-                                          <a:latin typeface="Cambria Math" panose="02040503050406030204" pitchFamily="18" charset="0"/>
-                                        </a:rPr>
-                                      </m:ctrlPr>
-                                    </m:sSubPr>
-                                    <m:e>
-                                      <m:r>
-                                        <a:rPr lang="en-US" i="1">
-                                          <a:latin typeface="Cambria Math" panose="02040503050406030204" pitchFamily="18" charset="0"/>
-                                        </a:rPr>
-                                        <m:t>𝜎</m:t>
-                                      </m:r>
-                                    </m:e>
-                                    <m:sub>
-                                      <m:r>
-                                        <a:rPr lang="en-US" i="0">
-                                          <a:latin typeface="Cambria Math" panose="02040503050406030204" pitchFamily="18" charset="0"/>
-                                        </a:rPr>
-                                        <m:t>1</m:t>
-                                      </m:r>
-                                    </m:sub>
-                                  </m:sSub>
-                                  <m:sSub>
-                                    <m:sSubPr>
-                                      <m:ctrlPr>
-                                        <a:rPr lang="en-US" i="1">
-                                          <a:latin typeface="Cambria Math" panose="02040503050406030204" pitchFamily="18" charset="0"/>
-                                        </a:rPr>
-                                      </m:ctrlPr>
-                                    </m:sSubPr>
-                                    <m:e>
-                                      <m:r>
-                                        <a:rPr lang="en-US" i="1">
-                                          <a:latin typeface="Cambria Math" panose="02040503050406030204" pitchFamily="18" charset="0"/>
-                                        </a:rPr>
-                                        <m:t>𝑧</m:t>
-                                      </m:r>
-                                    </m:e>
-                                    <m:sub>
-                                      <m:r>
-                                        <a:rPr lang="en-US" i="0">
-                                          <a:latin typeface="Cambria Math" panose="02040503050406030204" pitchFamily="18" charset="0"/>
-                                        </a:rPr>
-                                        <m:t>1−</m:t>
-                                      </m:r>
-                                      <m:r>
-                                        <a:rPr lang="en-US" i="1">
-                                          <a:latin typeface="Cambria Math" panose="02040503050406030204" pitchFamily="18" charset="0"/>
-                                        </a:rPr>
-                                        <m:t>𝛽</m:t>
-                                      </m:r>
-                                    </m:sub>
-                                  </m:sSub>
-                                  <m:r>
-                                    <a:rPr lang="en-AU" b="0" i="0" smtClean="0">
-                                      <a:latin typeface="Cambria Math" panose="02040503050406030204" pitchFamily="18" charset="0"/>
-                                    </a:rPr>
-                                    <m:t>+</m:t>
-                                  </m:r>
-                                  <m:sSub>
-                                    <m:sSubPr>
-                                      <m:ctrlPr>
-                                        <a:rPr lang="en-US" i="1">
-                                          <a:latin typeface="Cambria Math" panose="02040503050406030204" pitchFamily="18" charset="0"/>
-                                        </a:rPr>
-                                      </m:ctrlPr>
-                                    </m:sSubPr>
-                                    <m:e>
-                                      <m:r>
-                                        <a:rPr lang="en-US" i="1">
-                                          <a:latin typeface="Cambria Math" panose="02040503050406030204" pitchFamily="18" charset="0"/>
-                                        </a:rPr>
-                                        <m:t>𝜎</m:t>
-                                      </m:r>
-                                    </m:e>
-                                    <m:sub>
-                                      <m:r>
-                                        <a:rPr lang="en-US" i="0">
-                                          <a:latin typeface="Cambria Math" panose="02040503050406030204" pitchFamily="18" charset="0"/>
-                                        </a:rPr>
-                                        <m:t>0</m:t>
-                                      </m:r>
-                                    </m:sub>
-                                  </m:sSub>
-                                  <m:sSub>
-                                    <m:sSubPr>
-                                      <m:ctrlPr>
-                                        <a:rPr lang="en-US" i="1">
-                                          <a:latin typeface="Cambria Math" panose="02040503050406030204" pitchFamily="18" charset="0"/>
-                                        </a:rPr>
-                                      </m:ctrlPr>
-                                    </m:sSubPr>
-                                    <m:e>
-                                      <m:r>
-                                        <a:rPr lang="en-US" i="1">
-                                          <a:latin typeface="Cambria Math" panose="02040503050406030204" pitchFamily="18" charset="0"/>
-                                        </a:rPr>
-                                        <m:t>𝑧</m:t>
-                                      </m:r>
-                                    </m:e>
-                                    <m:sub>
-                                      <m:r>
-                                        <a:rPr lang="en-AU" b="0" i="1" smtClean="0">
-                                          <a:latin typeface="Cambria Math" panose="02040503050406030204" pitchFamily="18" charset="0"/>
-                                        </a:rPr>
-                                        <m:t>1−</m:t>
-                                      </m:r>
-                                      <m:r>
-                                        <a:rPr lang="en-US" i="1">
-                                          <a:latin typeface="Cambria Math" panose="02040503050406030204" pitchFamily="18" charset="0"/>
-                                        </a:rPr>
-                                        <m:t>𝛼</m:t>
-                                      </m:r>
-                                    </m:sub>
-                                  </m:sSub>
-                                </m:e>
-                              </m:d>
-                            </m:e>
-                            <m:sup>
-                              <m:r>
-                                <a:rPr lang="en-US" i="0">
-                                  <a:latin typeface="Cambria Math" panose="02040503050406030204" pitchFamily="18" charset="0"/>
-                                </a:rPr>
-                                <m:t>2</m:t>
-                              </m:r>
-                            </m:sup>
-                          </m:sSup>
-                        </m:num>
-                        <m:den>
-                          <m:sSub>
-                            <m:sSubPr>
-                              <m:ctrlPr>
-                                <a:rPr lang="en-US" i="1">
-                                  <a:latin typeface="Cambria Math" panose="02040503050406030204" pitchFamily="18" charset="0"/>
-                                </a:rPr>
-                              </m:ctrlPr>
-                            </m:sSubPr>
-                            <m:e>
-                              <m:d>
-                                <m:dPr>
-                                  <m:endChr m:val=""/>
-                                  <m:ctrlPr>
-                                    <a:rPr lang="en-US" i="1">
-                                      <a:latin typeface="Cambria Math" panose="02040503050406030204" pitchFamily="18" charset="0"/>
-                                    </a:rPr>
-                                  </m:ctrlPr>
-                                </m:dPr>
-                                <m:e>
-                                  <m:r>
-                                    <a:rPr lang="en-US" i="1">
-                                      <a:latin typeface="Cambria Math" panose="02040503050406030204" pitchFamily="18" charset="0"/>
-                                    </a:rPr>
-                                    <m:t>𝜇</m:t>
-                                  </m:r>
-                                </m:e>
-                              </m:d>
-                            </m:e>
-                            <m:sub>
-                              <m:r>
-                                <a:rPr lang="en-US" i="0">
-                                  <a:latin typeface="Cambria Math" panose="02040503050406030204" pitchFamily="18" charset="0"/>
-                                </a:rPr>
-                                <m:t>0</m:t>
-                              </m:r>
-                            </m:sub>
-                          </m:sSub>
-                          <m:r>
-                            <a:rPr lang="en-US" i="0">
-                              <a:latin typeface="Cambria Math" panose="02040503050406030204" pitchFamily="18" charset="0"/>
-                            </a:rPr>
-                            <m:t>−</m:t>
-                          </m:r>
-                          <m:sSub>
-                            <m:sSubPr>
-                              <m:ctrlPr>
-                                <a:rPr lang="en-US" i="1">
-                                  <a:latin typeface="Cambria Math" panose="02040503050406030204" pitchFamily="18" charset="0"/>
-                                </a:rPr>
-                              </m:ctrlPr>
-                            </m:sSubPr>
-                            <m:e>
-                              <m:r>
-                                <a:rPr lang="en-US" i="1">
-                                  <a:latin typeface="Cambria Math" panose="02040503050406030204" pitchFamily="18" charset="0"/>
-                                </a:rPr>
-                                <m:t>𝜇</m:t>
-                              </m:r>
-                            </m:e>
-                            <m:sub>
-                              <m:r>
-                                <a:rPr lang="en-US" i="0">
-                                  <a:latin typeface="Cambria Math" panose="02040503050406030204" pitchFamily="18" charset="0"/>
-                                </a:rPr>
-                                <m:t>1</m:t>
-                              </m:r>
-                            </m:sub>
-                          </m:sSub>
-                          <m:sSup>
-                            <m:sSupPr>
-                              <m:ctrlPr>
-                                <a:rPr lang="en-US" i="1">
-                                  <a:latin typeface="Cambria Math" panose="02040503050406030204" pitchFamily="18" charset="0"/>
-                                </a:rPr>
-                              </m:ctrlPr>
-                            </m:sSupPr>
-                            <m:e>
-                              <m:r>
-                                <a:rPr lang="en-AU" b="0" i="1" smtClean="0">
-                                  <a:latin typeface="Cambria Math" panose="02040503050406030204" pitchFamily="18" charset="0"/>
-                                </a:rPr>
-                                <m:t>)</m:t>
-                              </m:r>
-                            </m:e>
-                            <m:sup>
-                              <m:r>
-                                <a:rPr lang="en-US" i="0">
-                                  <a:latin typeface="Cambria Math" panose="02040503050406030204" pitchFamily="18" charset="0"/>
-                                </a:rPr>
-                                <m:t>2</m:t>
-                              </m:r>
-                            </m:sup>
-                          </m:sSup>
-                        </m:den>
-                      </m:f>
-                    </m:oMath>
-                  </m:oMathPara>
-                </a14:m>
-                <a:endParaRPr lang="en-US" dirty="0"/>
-              </a:p>
-            </p:txBody>
-          </p:sp>
-        </mc:Choice>
-        <mc:Fallback xmlns="">
-          <p:sp>
-            <p:nvSpPr>
-              <p:cNvPr id="5" name="Rectangle 4">
-                <a:extLst>
-                  <a:ext uri="{FF2B5EF4-FFF2-40B4-BE49-F238E27FC236}">
-                    <a16:creationId xmlns:a16="http://schemas.microsoft.com/office/drawing/2014/main" id="{66530CB0-0B4B-BA41-B61C-4E566ADF0CB4}"/>
-                  </a:ext>
-                </a:extLst>
-              </p:cNvPr>
-              <p:cNvSpPr>
-                <a:spLocks noRot="1" noChangeAspect="1" noMove="1" noResize="1" noEditPoints="1" noAdjustHandles="1" noChangeArrowheads="1" noChangeShapeType="1" noTextEdit="1"/>
-              </p:cNvSpPr>
-              <p:nvPr/>
-            </p:nvSpPr>
-            <p:spPr>
-              <a:xfrm>
-                <a:off x="4422102" y="600491"/>
-                <a:ext cx="2612062" cy="808683"/>
-              </a:xfrm>
-              <a:prstGeom prst="rect">
-                <a:avLst/>
-              </a:prstGeom>
-              <a:blipFill>
-                <a:blip r:embed="rId5"/>
-                <a:stretch>
-                  <a:fillRect t="-4615" b="-80000"/>
-                </a:stretch>
-              </a:blipFill>
-            </p:spPr>
-            <p:txBody>
-              <a:bodyPr/>
-              <a:lstStyle/>
-              <a:p>
-                <a:r>
-                  <a:rPr lang="en-US">
-                    <a:noFill/>
-                  </a:rPr>
-                  <a:t> </a:t>
-                </a:r>
-              </a:p>
-            </p:txBody>
-          </p:sp>
-        </mc:Fallback>
-      </mc:AlternateContent>
+      <p:sp>
+        <p:nvSpPr>
+          <p:cNvPr id="2" name="Title 1">
+            <a:extLst>
+              <a:ext uri="{FF2B5EF4-FFF2-40B4-BE49-F238E27FC236}">
+                <a16:creationId xmlns:a16="http://schemas.microsoft.com/office/drawing/2014/main" id="{B5CF6A3C-F999-C942-ACF1-BF4C6D9FEDAD}"/>
+              </a:ext>
+            </a:extLst>
+          </p:cNvPr>
+          <p:cNvSpPr>
+            <a:spLocks noGrp="1"/>
+          </p:cNvSpPr>
+          <p:nvPr>
+            <p:ph type="title"/>
+          </p:nvPr>
+        </p:nvSpPr>
+        <p:spPr>
+          <a:xfrm>
+            <a:off x="838200" y="-264258"/>
+            <a:ext cx="10515600" cy="1325563"/>
+          </a:xfrm>
+        </p:spPr>
+        <p:txBody>
+          <a:bodyPr>
+            <a:normAutofit/>
+          </a:bodyPr>
+          <a:lstStyle/>
+          <a:p>
+            <a:pPr algn="ctr"/>
+            <a:r>
+              <a:rPr lang="zh-CN" altLang="en-US" sz="3600" dirty="0">
+                <a:latin typeface="Kaiti SC" panose="02010600040101010101" pitchFamily="2" charset="-122"/>
+                <a:ea typeface="Kaiti SC" panose="02010600040101010101" pitchFamily="2" charset="-122"/>
+              </a:rPr>
+              <a:t>常见的药物</a:t>
+            </a:r>
+            <a:r>
+              <a:rPr lang="zh-CN" altLang="en-US" sz="3600" dirty="0">
+                <a:highlight>
+                  <a:srgbClr val="FFFF00"/>
+                </a:highlight>
+                <a:latin typeface="Kaiti SC" panose="02010600040101010101" pitchFamily="2" charset="-122"/>
+                <a:ea typeface="Kaiti SC" panose="02010600040101010101" pitchFamily="2" charset="-122"/>
+              </a:rPr>
+              <a:t>临床</a:t>
+            </a:r>
+            <a:r>
+              <a:rPr lang="zh-CN" altLang="en-US" sz="3600" dirty="0">
+                <a:latin typeface="Kaiti SC" panose="02010600040101010101" pitchFamily="2" charset="-122"/>
+                <a:ea typeface="Kaiti SC" panose="02010600040101010101" pitchFamily="2" charset="-122"/>
+              </a:rPr>
+              <a:t>试验中的比较类型</a:t>
+            </a:r>
+            <a:endParaRPr lang="en-US" sz="3600" dirty="0">
+              <a:latin typeface="Kaiti SC" panose="02010600040101010101" pitchFamily="2" charset="-122"/>
+              <a:ea typeface="Kaiti SC" panose="02010600040101010101" pitchFamily="2" charset="-122"/>
+            </a:endParaRPr>
+          </a:p>
+        </p:txBody>
+      </p:sp>
+    </p:spTree>
+    <p:extLst>
+      <p:ext uri="{BB962C8B-B14F-4D97-AF65-F5344CB8AC3E}">
+        <p14:creationId xmlns:p14="http://schemas.microsoft.com/office/powerpoint/2010/main" val="1787328713"/>
+      </p:ext>
+    </p:extLst>
+  </p:cSld>
+  <p:clrMapOvr>
+    <a:masterClrMapping/>
+  </p:clrMapOvr>
+</p:sld>
+</file>
+
+<file path=ppt/slides/slide7.xml><?xml version="1.0" encoding="utf-8"?>
+<p:sld xmlns:a="http://schemas.openxmlformats.org/drawingml/2006/main" xmlns:r="http://schemas.openxmlformats.org/officeDocument/2006/relationships" xmlns:p="http://schemas.openxmlformats.org/presentationml/2006/main">
+  <p:cSld>
+    <p:spTree>
+      <p:nvGrpSpPr>
+        <p:cNvPr id="1" name=""/>
+        <p:cNvGrpSpPr/>
+        <p:nvPr/>
+      </p:nvGrpSpPr>
+      <p:grpSpPr>
+        <a:xfrm>
+          <a:off x="0" y="0"/>
+          <a:ext cx="0" cy="0"/>
+          <a:chOff x="0" y="0"/>
+          <a:chExt cx="0" cy="0"/>
+        </a:xfrm>
+      </p:grpSpPr>
+      <p:sp>
+        <p:nvSpPr>
+          <p:cNvPr id="2" name="Title 1">
+            <a:extLst>
+              <a:ext uri="{FF2B5EF4-FFF2-40B4-BE49-F238E27FC236}">
+                <a16:creationId xmlns:a16="http://schemas.microsoft.com/office/drawing/2014/main" id="{8AB4A380-9FA5-2241-AD04-01F0760EC4F3}"/>
+              </a:ext>
+            </a:extLst>
+          </p:cNvPr>
+          <p:cNvSpPr>
+            <a:spLocks noGrp="1"/>
+          </p:cNvSpPr>
+          <p:nvPr>
+            <p:ph type="title"/>
+          </p:nvPr>
+        </p:nvSpPr>
+        <p:spPr>
+          <a:xfrm>
+            <a:off x="838200" y="8869"/>
+            <a:ext cx="10515600" cy="1325563"/>
+          </a:xfrm>
+        </p:spPr>
+        <p:txBody>
+          <a:bodyPr>
+            <a:normAutofit/>
+          </a:bodyPr>
+          <a:lstStyle/>
+          <a:p>
+            <a:pPr algn="ctr"/>
+            <a:r>
+              <a:rPr lang="en-AU" altLang="zh-CN" sz="3600" dirty="0">
+                <a:latin typeface="Kaiti SC" panose="02010600040101010101" pitchFamily="2" charset="-122"/>
+                <a:ea typeface="Kaiti SC" panose="02010600040101010101" pitchFamily="2" charset="-122"/>
+              </a:rPr>
+              <a:t>1 </a:t>
+            </a:r>
+            <a:r>
+              <a:rPr lang="zh-CN" altLang="en-US" sz="3600" dirty="0">
+                <a:latin typeface="Kaiti SC" panose="02010600040101010101" pitchFamily="2" charset="-122"/>
+                <a:ea typeface="Kaiti SC" panose="02010600040101010101" pitchFamily="2" charset="-122"/>
+              </a:rPr>
+              <a:t>均数资料的非劣效性</a:t>
+            </a:r>
+            <a:endParaRPr lang="en-US" sz="3600" dirty="0">
+              <a:latin typeface="Kaiti SC" panose="02010600040101010101" pitchFamily="2" charset="-122"/>
+              <a:ea typeface="Kaiti SC" panose="02010600040101010101" pitchFamily="2" charset="-122"/>
+            </a:endParaRPr>
+          </a:p>
+        </p:txBody>
+      </p:sp>
       <p:graphicFrame>
         <p:nvGraphicFramePr>
-          <p:cNvPr id="6" name="Object 5">
-            <a:extLst>
-              <a:ext uri="{FF2B5EF4-FFF2-40B4-BE49-F238E27FC236}">
-                <a16:creationId xmlns:a16="http://schemas.microsoft.com/office/drawing/2014/main" id="{EAB274D1-0F31-F441-9E76-39687F756FD3}"/>
+          <p:cNvPr id="4" name="Object 3">
+            <a:extLst>
+              <a:ext uri="{FF2B5EF4-FFF2-40B4-BE49-F238E27FC236}">
+                <a16:creationId xmlns:a16="http://schemas.microsoft.com/office/drawing/2014/main" id="{54A03271-0D3B-9A46-BA9A-12B437F4BC39}"/>
               </a:ext>
             </a:extLst>
           </p:cNvPr>
@@ -6059,117 +6566,42 @@
           <p:nvPr>
             <p:extLst>
               <p:ext uri="{D42A27DB-BD31-4B8C-83A1-F6EECF244321}">
-                <p14:modId xmlns:p14="http://schemas.microsoft.com/office/powerpoint/2010/main" val="1634742030"/>
+                <p14:modId xmlns:p14="http://schemas.microsoft.com/office/powerpoint/2010/main" val="4212089074"/>
               </p:ext>
             </p:extLst>
           </p:nvPr>
         </p:nvGraphicFramePr>
         <p:xfrm>
-          <a:off x="2435907" y="3195931"/>
-          <a:ext cx="9144000" cy="1600200"/>
+          <a:off x="1524000" y="958456"/>
+          <a:ext cx="9144000" cy="4724400"/>
         </p:xfrm>
         <a:graphic>
           <a:graphicData uri="http://schemas.openxmlformats.org/presentationml/2006/ole">
             <mc:AlternateContent xmlns:mc="http://schemas.openxmlformats.org/markup-compatibility/2006">
               <mc:Choice xmlns:v="urn:schemas-microsoft-com:vml" Requires="v">
-                <p:oleObj spid="_x0000_s3094" name="Document" r:id="rId6" imgW="9144000" imgH="1600200" progId="Word.Document.12">
+                <p:oleObj spid="_x0000_s7207" name="Document" r:id="rId3" imgW="9144000" imgH="4724400" progId="Word.Document.12">
                   <p:embed/>
                 </p:oleObj>
               </mc:Choice>
               <mc:Fallback>
-                <p:oleObj name="Document" r:id="rId6" imgW="9144000" imgH="1600200" progId="Word.Document.12">
+                <p:oleObj name="Document" r:id="rId3" imgW="9144000" imgH="4724400" progId="Word.Document.12">
                   <p:embed/>
                   <p:pic>
                     <p:nvPicPr>
-                      <p:cNvPr id="4" name="Object 3">
-                        <a:extLst>
-                          <a:ext uri="{FF2B5EF4-FFF2-40B4-BE49-F238E27FC236}">
-                            <a16:creationId xmlns:a16="http://schemas.microsoft.com/office/drawing/2014/main" id="{A2384AF1-ED8F-0941-951F-3637342952D3}"/>
-                          </a:ext>
-                        </a:extLst>
-                      </p:cNvPr>
+                      <p:cNvPr id="0" name=""/>
                       <p:cNvPicPr/>
                       <p:nvPr/>
                     </p:nvPicPr>
                     <p:blipFill>
-                      <a:blip r:embed="rId7"/>
+                      <a:blip r:embed="rId4"/>
                       <a:stretch>
                         <a:fillRect/>
                       </a:stretch>
                     </p:blipFill>
                     <p:spPr>
                       <a:xfrm>
-                        <a:off x="2435907" y="3195931"/>
-                        <a:ext cx="9144000" cy="1600200"/>
-                      </a:xfrm>
-                      <a:prstGeom prst="rect">
-                        <a:avLst/>
-                      </a:prstGeom>
-                    </p:spPr>
-                  </p:pic>
-                </p:oleObj>
-              </mc:Fallback>
-            </mc:AlternateContent>
-          </a:graphicData>
-        </a:graphic>
-      </p:graphicFrame>
-      <p:graphicFrame>
-        <p:nvGraphicFramePr>
-          <p:cNvPr id="7" name="Object 6">
-            <a:extLst>
-              <a:ext uri="{FF2B5EF4-FFF2-40B4-BE49-F238E27FC236}">
-                <a16:creationId xmlns:a16="http://schemas.microsoft.com/office/drawing/2014/main" id="{063ACBF7-4A90-0944-9860-EE5C6FBD0E91}"/>
-              </a:ext>
-            </a:extLst>
-          </p:cNvPr>
-          <p:cNvGraphicFramePr>
-            <a:graphicFrameLocks noChangeAspect="1"/>
-          </p:cNvGraphicFramePr>
-          <p:nvPr>
-            <p:extLst>
-              <p:ext uri="{D42A27DB-BD31-4B8C-83A1-F6EECF244321}">
-                <p14:modId xmlns:p14="http://schemas.microsoft.com/office/powerpoint/2010/main" val="3941584555"/>
-              </p:ext>
-            </p:extLst>
-          </p:nvPr>
-        </p:nvGraphicFramePr>
-        <p:xfrm>
-          <a:off x="4903992" y="4939621"/>
-          <a:ext cx="9144000" cy="1600200"/>
-        </p:xfrm>
-        <a:graphic>
-          <a:graphicData uri="http://schemas.openxmlformats.org/presentationml/2006/ole">
-            <mc:AlternateContent xmlns:mc="http://schemas.openxmlformats.org/markup-compatibility/2006">
-              <mc:Choice xmlns:v="urn:schemas-microsoft-com:vml" Requires="v">
-                <p:oleObj spid="_x0000_s3095" name="Document" r:id="rId8" imgW="9144000" imgH="1600200" progId="Word.Document.12">
-                  <p:embed/>
-                </p:oleObj>
-              </mc:Choice>
-              <mc:Fallback>
-                <p:oleObj name="Document" r:id="rId8" imgW="9144000" imgH="1600200" progId="Word.Document.12">
-                  <p:embed/>
-                  <p:pic>
-                    <p:nvPicPr>
-                      <p:cNvPr id="6" name="Object 5">
-                        <a:extLst>
-                          <a:ext uri="{FF2B5EF4-FFF2-40B4-BE49-F238E27FC236}">
-                            <a16:creationId xmlns:a16="http://schemas.microsoft.com/office/drawing/2014/main" id="{EAB274D1-0F31-F441-9E76-39687F756FD3}"/>
-                          </a:ext>
-                        </a:extLst>
-                      </p:cNvPr>
-                      <p:cNvPicPr/>
-                      <p:nvPr/>
-                    </p:nvPicPr>
-                    <p:blipFill>
-                      <a:blip r:embed="rId9"/>
-                      <a:stretch>
-                        <a:fillRect/>
-                      </a:stretch>
-                    </p:blipFill>
-                    <p:spPr>
-                      <a:xfrm>
-                        <a:off x="4903992" y="4939621"/>
-                        <a:ext cx="9144000" cy="1600200"/>
+                        <a:off x="1524000" y="958456"/>
+                        <a:ext cx="9144000" cy="4724400"/>
                       </a:xfrm>
                       <a:prstGeom prst="rect">
                         <a:avLst/>
@@ -6185,7 +6617,312 @@
     </p:spTree>
     <p:extLst>
       <p:ext uri="{BB962C8B-B14F-4D97-AF65-F5344CB8AC3E}">
-        <p14:creationId xmlns:p14="http://schemas.microsoft.com/office/powerpoint/2010/main" val="4229939016"/>
+        <p14:creationId xmlns:p14="http://schemas.microsoft.com/office/powerpoint/2010/main" val="91180958"/>
+      </p:ext>
+    </p:extLst>
+  </p:cSld>
+  <p:clrMapOvr>
+    <a:masterClrMapping/>
+  </p:clrMapOvr>
+</p:sld>
+</file>
+
+<file path=ppt/slides/slide8.xml><?xml version="1.0" encoding="utf-8"?>
+<p:sld xmlns:a="http://schemas.openxmlformats.org/drawingml/2006/main" xmlns:r="http://schemas.openxmlformats.org/officeDocument/2006/relationships" xmlns:p="http://schemas.openxmlformats.org/presentationml/2006/main">
+  <p:cSld>
+    <p:spTree>
+      <p:nvGrpSpPr>
+        <p:cNvPr id="1" name=""/>
+        <p:cNvGrpSpPr/>
+        <p:nvPr/>
+      </p:nvGrpSpPr>
+      <p:grpSpPr>
+        <a:xfrm>
+          <a:off x="0" y="0"/>
+          <a:ext cx="0" cy="0"/>
+          <a:chOff x="0" y="0"/>
+          <a:chExt cx="0" cy="0"/>
+        </a:xfrm>
+      </p:grpSpPr>
+      <p:sp>
+        <p:nvSpPr>
+          <p:cNvPr id="2" name="Title 1">
+            <a:extLst>
+              <a:ext uri="{FF2B5EF4-FFF2-40B4-BE49-F238E27FC236}">
+                <a16:creationId xmlns:a16="http://schemas.microsoft.com/office/drawing/2014/main" id="{3A19551F-591D-494D-B36F-40A06B6AF0CD}"/>
+              </a:ext>
+            </a:extLst>
+          </p:cNvPr>
+          <p:cNvSpPr>
+            <a:spLocks noGrp="1"/>
+          </p:cNvSpPr>
+          <p:nvPr>
+            <p:ph type="title"/>
+          </p:nvPr>
+        </p:nvSpPr>
+        <p:spPr/>
+        <p:txBody>
+          <a:bodyPr>
+            <a:normAutofit/>
+          </a:bodyPr>
+          <a:lstStyle/>
+          <a:p>
+            <a:pPr algn="ctr"/>
+            <a:r>
+              <a:rPr lang="en-AU" altLang="zh-CN" sz="3600" dirty="0">
+                <a:latin typeface="Kaiti SC" panose="02010600040101010101" pitchFamily="2" charset="-122"/>
+                <a:ea typeface="Kaiti SC" panose="02010600040101010101" pitchFamily="2" charset="-122"/>
+              </a:rPr>
+              <a:t>2 </a:t>
+            </a:r>
+            <a:r>
+              <a:rPr lang="zh-CN" altLang="en-US" sz="3600" dirty="0">
+                <a:highlight>
+                  <a:srgbClr val="00FFFF"/>
+                </a:highlight>
+                <a:latin typeface="Kaiti SC" panose="02010600040101010101" pitchFamily="2" charset="-122"/>
+                <a:ea typeface="Kaiti SC" panose="02010600040101010101" pitchFamily="2" charset="-122"/>
+              </a:rPr>
+              <a:t>率</a:t>
+            </a:r>
+            <a:r>
+              <a:rPr lang="zh-CN" altLang="en-US" sz="3600" dirty="0">
+                <a:latin typeface="Kaiti SC" panose="02010600040101010101" pitchFamily="2" charset="-122"/>
+                <a:ea typeface="Kaiti SC" panose="02010600040101010101" pitchFamily="2" charset="-122"/>
+              </a:rPr>
+              <a:t>资料的非劣效性（</a:t>
+            </a:r>
+            <a:r>
+              <a:rPr lang="zh-CN" altLang="en-US" sz="3600" dirty="0">
+                <a:highlight>
+                  <a:srgbClr val="00FFFF"/>
+                </a:highlight>
+                <a:latin typeface="Kaiti SC" panose="02010600040101010101" pitchFamily="2" charset="-122"/>
+                <a:ea typeface="Kaiti SC" panose="02010600040101010101" pitchFamily="2" charset="-122"/>
+              </a:rPr>
+              <a:t>硬币</a:t>
+            </a:r>
+            <a:r>
+              <a:rPr lang="zh-CN" altLang="en-US" sz="3600" dirty="0">
+                <a:latin typeface="Kaiti SC" panose="02010600040101010101" pitchFamily="2" charset="-122"/>
+                <a:ea typeface="Kaiti SC" panose="02010600040101010101" pitchFamily="2" charset="-122"/>
+              </a:rPr>
+              <a:t>测试）</a:t>
+            </a:r>
+            <a:endParaRPr lang="en-US" sz="3600" dirty="0">
+              <a:latin typeface="Kaiti SC" panose="02010600040101010101" pitchFamily="2" charset="-122"/>
+              <a:ea typeface="Kaiti SC" panose="02010600040101010101" pitchFamily="2" charset="-122"/>
+            </a:endParaRPr>
+          </a:p>
+        </p:txBody>
+      </p:sp>
+      <p:graphicFrame>
+        <p:nvGraphicFramePr>
+          <p:cNvPr id="4" name="Content Placeholder 3">
+            <a:extLst>
+              <a:ext uri="{FF2B5EF4-FFF2-40B4-BE49-F238E27FC236}">
+                <a16:creationId xmlns:a16="http://schemas.microsoft.com/office/drawing/2014/main" id="{AC3C8849-4864-1A4B-AC17-D2D21D9A92FC}"/>
+              </a:ext>
+            </a:extLst>
+          </p:cNvPr>
+          <p:cNvGraphicFramePr>
+            <a:graphicFrameLocks noGrp="1" noChangeAspect="1"/>
+          </p:cNvGraphicFramePr>
+          <p:nvPr>
+            <p:ph idx="1"/>
+            <p:extLst>
+              <p:ext uri="{D42A27DB-BD31-4B8C-83A1-F6EECF244321}">
+                <p14:modId xmlns:p14="http://schemas.microsoft.com/office/powerpoint/2010/main" val="1798390464"/>
+              </p:ext>
+            </p:extLst>
+          </p:nvPr>
+        </p:nvGraphicFramePr>
+        <p:xfrm>
+          <a:off x="1524000" y="1608138"/>
+          <a:ext cx="9144000" cy="2743200"/>
+        </p:xfrm>
+        <a:graphic>
+          <a:graphicData uri="http://schemas.openxmlformats.org/presentationml/2006/ole">
+            <mc:AlternateContent xmlns:mc="http://schemas.openxmlformats.org/markup-compatibility/2006">
+              <mc:Choice xmlns:v="urn:schemas-microsoft-com:vml" Requires="v">
+                <p:oleObj spid="_x0000_s8224" name="Document" r:id="rId3" imgW="9144000" imgH="2743200" progId="Word.Document.12">
+                  <p:embed/>
+                </p:oleObj>
+              </mc:Choice>
+              <mc:Fallback>
+                <p:oleObj name="Document" r:id="rId3" imgW="9144000" imgH="2743200" progId="Word.Document.12">
+                  <p:embed/>
+                  <p:pic>
+                    <p:nvPicPr>
+                      <p:cNvPr id="0" name=""/>
+                      <p:cNvPicPr/>
+                      <p:nvPr/>
+                    </p:nvPicPr>
+                    <p:blipFill>
+                      <a:blip r:embed="rId4"/>
+                      <a:stretch>
+                        <a:fillRect/>
+                      </a:stretch>
+                    </p:blipFill>
+                    <p:spPr>
+                      <a:xfrm>
+                        <a:off x="1524000" y="1608138"/>
+                        <a:ext cx="9144000" cy="2743200"/>
+                      </a:xfrm>
+                      <a:prstGeom prst="rect">
+                        <a:avLst/>
+                      </a:prstGeom>
+                    </p:spPr>
+                  </p:pic>
+                </p:oleObj>
+              </mc:Fallback>
+            </mc:AlternateContent>
+          </a:graphicData>
+        </a:graphic>
+      </p:graphicFrame>
+    </p:spTree>
+    <p:extLst>
+      <p:ext uri="{BB962C8B-B14F-4D97-AF65-F5344CB8AC3E}">
+        <p14:creationId xmlns:p14="http://schemas.microsoft.com/office/powerpoint/2010/main" val="3044607594"/>
+      </p:ext>
+    </p:extLst>
+  </p:cSld>
+  <p:clrMapOvr>
+    <a:masterClrMapping/>
+  </p:clrMapOvr>
+</p:sld>
+</file>
+
+<file path=ppt/slides/slide9.xml><?xml version="1.0" encoding="utf-8"?>
+<p:sld xmlns:a="http://schemas.openxmlformats.org/drawingml/2006/main" xmlns:r="http://schemas.openxmlformats.org/officeDocument/2006/relationships" xmlns:p="http://schemas.openxmlformats.org/presentationml/2006/main">
+  <p:cSld>
+    <p:spTree>
+      <p:nvGrpSpPr>
+        <p:cNvPr id="1" name=""/>
+        <p:cNvGrpSpPr/>
+        <p:nvPr/>
+      </p:nvGrpSpPr>
+      <p:grpSpPr>
+        <a:xfrm>
+          <a:off x="0" y="0"/>
+          <a:ext cx="0" cy="0"/>
+          <a:chOff x="0" y="0"/>
+          <a:chExt cx="0" cy="0"/>
+        </a:xfrm>
+      </p:grpSpPr>
+      <p:sp>
+        <p:nvSpPr>
+          <p:cNvPr id="2" name="Title 1">
+            <a:extLst>
+              <a:ext uri="{FF2B5EF4-FFF2-40B4-BE49-F238E27FC236}">
+                <a16:creationId xmlns:a16="http://schemas.microsoft.com/office/drawing/2014/main" id="{A5010397-94C4-1F47-9D3D-4036732B0C11}"/>
+              </a:ext>
+            </a:extLst>
+          </p:cNvPr>
+          <p:cNvSpPr>
+            <a:spLocks noGrp="1"/>
+          </p:cNvSpPr>
+          <p:nvPr>
+            <p:ph type="title"/>
+          </p:nvPr>
+        </p:nvSpPr>
+        <p:spPr/>
+        <p:txBody>
+          <a:bodyPr>
+            <a:normAutofit/>
+          </a:bodyPr>
+          <a:lstStyle/>
+          <a:p>
+            <a:pPr algn="ctr"/>
+            <a:r>
+              <a:rPr lang="en-US" altLang="zh-CN" sz="3600" dirty="0">
+                <a:latin typeface="Kaiti SC" panose="02010600040101010101" pitchFamily="2" charset="-122"/>
+                <a:ea typeface="Kaiti SC" panose="02010600040101010101" pitchFamily="2" charset="-122"/>
+              </a:rPr>
+              <a:t>3</a:t>
+            </a:r>
+            <a:r>
+              <a:rPr lang="zh-CN" altLang="en-US" sz="3600" dirty="0">
+                <a:latin typeface="Kaiti SC" panose="02010600040101010101" pitchFamily="2" charset="-122"/>
+                <a:ea typeface="Kaiti SC" panose="02010600040101010101" pitchFamily="2" charset="-122"/>
+              </a:rPr>
+              <a:t> 均数资料的优势性</a:t>
+            </a:r>
+            <a:endParaRPr lang="en-US" sz="3600" dirty="0">
+              <a:latin typeface="Kaiti SC" panose="02010600040101010101" pitchFamily="2" charset="-122"/>
+              <a:ea typeface="Kaiti SC" panose="02010600040101010101" pitchFamily="2" charset="-122"/>
+            </a:endParaRPr>
+          </a:p>
+        </p:txBody>
+      </p:sp>
+      <p:graphicFrame>
+        <p:nvGraphicFramePr>
+          <p:cNvPr id="4" name="Content Placeholder 3">
+            <a:extLst>
+              <a:ext uri="{FF2B5EF4-FFF2-40B4-BE49-F238E27FC236}">
+                <a16:creationId xmlns:a16="http://schemas.microsoft.com/office/drawing/2014/main" id="{F2572AFE-AC97-C04C-866E-9426E2BD971B}"/>
+              </a:ext>
+            </a:extLst>
+          </p:cNvPr>
+          <p:cNvGraphicFramePr>
+            <a:graphicFrameLocks noGrp="1" noChangeAspect="1"/>
+          </p:cNvGraphicFramePr>
+          <p:nvPr>
+            <p:ph idx="1"/>
+            <p:extLst>
+              <p:ext uri="{D42A27DB-BD31-4B8C-83A1-F6EECF244321}">
+                <p14:modId xmlns:p14="http://schemas.microsoft.com/office/powerpoint/2010/main" val="547592760"/>
+              </p:ext>
+            </p:extLst>
+          </p:nvPr>
+        </p:nvGraphicFramePr>
+        <p:xfrm>
+          <a:off x="1524000" y="1384629"/>
+          <a:ext cx="9144000" cy="3378200"/>
+        </p:xfrm>
+        <a:graphic>
+          <a:graphicData uri="http://schemas.openxmlformats.org/presentationml/2006/ole">
+            <mc:AlternateContent xmlns:mc="http://schemas.openxmlformats.org/markup-compatibility/2006">
+              <mc:Choice xmlns:v="urn:schemas-microsoft-com:vml" Requires="v">
+                <p:oleObj spid="_x0000_s9248" name="Document" r:id="rId3" imgW="9144000" imgH="3378200" progId="Word.Document.12">
+                  <p:embed/>
+                </p:oleObj>
+              </mc:Choice>
+              <mc:Fallback>
+                <p:oleObj name="Document" r:id="rId3" imgW="9144000" imgH="3378200" progId="Word.Document.12">
+                  <p:embed/>
+                  <p:pic>
+                    <p:nvPicPr>
+                      <p:cNvPr id="0" name=""/>
+                      <p:cNvPicPr/>
+                      <p:nvPr/>
+                    </p:nvPicPr>
+                    <p:blipFill>
+                      <a:blip r:embed="rId4"/>
+                      <a:stretch>
+                        <a:fillRect/>
+                      </a:stretch>
+                    </p:blipFill>
+                    <p:spPr>
+                      <a:xfrm>
+                        <a:off x="1524000" y="1384629"/>
+                        <a:ext cx="9144000" cy="3378200"/>
+                      </a:xfrm>
+                      <a:prstGeom prst="rect">
+                        <a:avLst/>
+                      </a:prstGeom>
+                    </p:spPr>
+                  </p:pic>
+                </p:oleObj>
+              </mc:Fallback>
+            </mc:AlternateContent>
+          </a:graphicData>
+        </a:graphic>
+      </p:graphicFrame>
+    </p:spTree>
+    <p:extLst>
+      <p:ext uri="{BB962C8B-B14F-4D97-AF65-F5344CB8AC3E}">
+        <p14:creationId xmlns:p14="http://schemas.microsoft.com/office/powerpoint/2010/main" val="1593681409"/>
       </p:ext>
     </p:extLst>
   </p:cSld>
